--- a/_book/plot/unnamed-chunk-76-1.pptx
+++ b/_book/plot/unnamed-chunk-76-1.pptx
@@ -3218,7 +3218,7 @@
           </p:nvSpPr>
           <p:spPr>
             <a:xfrm>
-              <a:off x="2977388" y="1590617"/>
+              <a:off x="3202739" y="1590617"/>
               <a:ext cx="0" cy="4048310"/>
             </a:xfrm>
             <a:custGeom>
@@ -3261,7 +3261,7 @@
           </p:nvSpPr>
           <p:spPr>
             <a:xfrm>
-              <a:off x="4885067" y="1590617"/>
+              <a:off x="5561118" y="1590617"/>
               <a:ext cx="0" cy="4048310"/>
             </a:xfrm>
             <a:custGeom>
@@ -3304,7 +3304,7 @@
           </p:nvSpPr>
           <p:spPr>
             <a:xfrm>
-              <a:off x="6792746" y="1590617"/>
+              <a:off x="7919498" y="1590617"/>
               <a:ext cx="0" cy="4048310"/>
             </a:xfrm>
             <a:custGeom>
@@ -3347,26 +3347,26 @@
           </p:nvSpPr>
           <p:spPr>
             <a:xfrm>
-              <a:off x="8700425" y="1590617"/>
-              <a:ext cx="0" cy="4048310"/>
+              <a:off x="2023549" y="5171815"/>
+              <a:ext cx="6913543" cy="0"/>
             </a:xfrm>
             <a:custGeom>
               <a:avLst/>
               <a:pathLst>
-                <a:path w="0" h="4048310">
+                <a:path w="6913543" h="0">
                   <a:moveTo>
-                    <a:pt x="0" y="4048310"/>
+                    <a:pt x="0" y="0"/>
                   </a:moveTo>
                   <a:lnTo>
-                    <a:pt x="0" y="0"/>
+                    <a:pt x="6913543" y="0"/>
                   </a:lnTo>
                   <a:lnTo>
-                    <a:pt x="0" y="0"/>
+                    <a:pt x="6913543" y="0"/>
                   </a:lnTo>
                 </a:path>
               </a:pathLst>
             </a:custGeom>
-            <a:ln w="3387" cap="flat">
+            <a:ln w="6775" cap="flat">
               <a:solidFill>
                 <a:srgbClr val="DEDEDE">
                   <a:alpha val="100000"/>
@@ -3390,7 +3390,7 @@
           </p:nvSpPr>
           <p:spPr>
             <a:xfrm>
-              <a:off x="2023549" y="5247155"/>
+              <a:off x="2023549" y="4393293"/>
               <a:ext cx="6913543" cy="0"/>
             </a:xfrm>
             <a:custGeom>
@@ -3433,7 +3433,7 @@
           </p:nvSpPr>
           <p:spPr>
             <a:xfrm>
-              <a:off x="2023549" y="4594202"/>
+              <a:off x="2023549" y="3614772"/>
               <a:ext cx="6913543" cy="0"/>
             </a:xfrm>
             <a:custGeom>
@@ -3476,7 +3476,7 @@
           </p:nvSpPr>
           <p:spPr>
             <a:xfrm>
-              <a:off x="2023549" y="3941249"/>
+              <a:off x="2023549" y="2836251"/>
               <a:ext cx="6913543" cy="0"/>
             </a:xfrm>
             <a:custGeom>
@@ -3519,7 +3519,7 @@
           </p:nvSpPr>
           <p:spPr>
             <a:xfrm>
-              <a:off x="2023549" y="3288295"/>
+              <a:off x="2023549" y="2057730"/>
               <a:ext cx="6913543" cy="0"/>
             </a:xfrm>
             <a:custGeom>
@@ -3562,92 +3562,6 @@
           </p:nvSpPr>
           <p:spPr>
             <a:xfrm>
-              <a:off x="2023549" y="2635342"/>
-              <a:ext cx="6913543" cy="0"/>
-            </a:xfrm>
-            <a:custGeom>
-              <a:avLst/>
-              <a:pathLst>
-                <a:path w="6913543" h="0">
-                  <a:moveTo>
-                    <a:pt x="0" y="0"/>
-                  </a:moveTo>
-                  <a:lnTo>
-                    <a:pt x="6913543" y="0"/>
-                  </a:lnTo>
-                  <a:lnTo>
-                    <a:pt x="6913543" y="0"/>
-                  </a:lnTo>
-                </a:path>
-              </a:pathLst>
-            </a:custGeom>
-            <a:ln w="6775" cap="flat">
-              <a:solidFill>
-                <a:srgbClr val="DEDEDE">
-                  <a:alpha val="100000"/>
-                </a:srgbClr>
-              </a:solidFill>
-              <a:prstDash val="solid"/>
-              <a:round/>
-            </a:ln>
-          </p:spPr>
-          <p:txBody>
-            <a:bodyPr/>
-            <a:lstStyle/>
-            <a:p/>
-          </p:txBody>
-        </p:sp>
-        <p:sp>
-          <p:nvSpPr>
-            <p:cNvPr id="15" name="pl15"/>
-            <p:cNvSpPr/>
-            <p:nvPr/>
-          </p:nvSpPr>
-          <p:spPr>
-            <a:xfrm>
-              <a:off x="2023549" y="1982389"/>
-              <a:ext cx="6913543" cy="0"/>
-            </a:xfrm>
-            <a:custGeom>
-              <a:avLst/>
-              <a:pathLst>
-                <a:path w="6913543" h="0">
-                  <a:moveTo>
-                    <a:pt x="0" y="0"/>
-                  </a:moveTo>
-                  <a:lnTo>
-                    <a:pt x="6913543" y="0"/>
-                  </a:lnTo>
-                  <a:lnTo>
-                    <a:pt x="6913543" y="0"/>
-                  </a:lnTo>
-                </a:path>
-              </a:pathLst>
-            </a:custGeom>
-            <a:ln w="6775" cap="flat">
-              <a:solidFill>
-                <a:srgbClr val="DEDEDE">
-                  <a:alpha val="100000"/>
-                </a:srgbClr>
-              </a:solidFill>
-              <a:prstDash val="solid"/>
-              <a:round/>
-            </a:ln>
-          </p:spPr>
-          <p:txBody>
-            <a:bodyPr/>
-            <a:lstStyle/>
-            <a:p/>
-          </p:txBody>
-        </p:sp>
-        <p:sp>
-          <p:nvSpPr>
-            <p:cNvPr id="16" name="pl16"/>
-            <p:cNvSpPr/>
-            <p:nvPr/>
-          </p:nvSpPr>
-          <p:spPr>
-            <a:xfrm>
               <a:off x="2023549" y="1590617"/>
               <a:ext cx="0" cy="4048310"/>
             </a:xfrm>
@@ -3685,13 +3599,13 @@
         </p:sp>
         <p:sp>
           <p:nvSpPr>
-            <p:cNvPr id="17" name="pl17"/>
+            <p:cNvPr id="15" name="pl15"/>
             <p:cNvSpPr/>
             <p:nvPr/>
           </p:nvSpPr>
           <p:spPr>
             <a:xfrm>
-              <a:off x="3931228" y="1590617"/>
+              <a:off x="4381929" y="1590617"/>
               <a:ext cx="0" cy="4048310"/>
             </a:xfrm>
             <a:custGeom>
@@ -3728,13 +3642,13 @@
         </p:sp>
         <p:sp>
           <p:nvSpPr>
-            <p:cNvPr id="18" name="pl18"/>
+            <p:cNvPr id="16" name="pl16"/>
             <p:cNvSpPr/>
             <p:nvPr/>
           </p:nvSpPr>
           <p:spPr>
             <a:xfrm>
-              <a:off x="5838907" y="1590617"/>
+              <a:off x="6740308" y="1590617"/>
               <a:ext cx="0" cy="4048310"/>
             </a:xfrm>
             <a:custGeom>
@@ -3771,40 +3685,75 @@
         </p:sp>
         <p:sp>
           <p:nvSpPr>
-            <p:cNvPr id="19" name="pl19"/>
+            <p:cNvPr id="17" name="rc17"/>
             <p:cNvSpPr/>
             <p:nvPr/>
           </p:nvSpPr>
           <p:spPr>
             <a:xfrm>
-              <a:off x="7746586" y="1590617"/>
-              <a:ext cx="0" cy="4048310"/>
+              <a:off x="2023549" y="1707395"/>
+              <a:ext cx="6777983" cy="700669"/>
             </a:xfrm>
-            <a:custGeom>
+            <a:prstGeom prst="rect">
               <a:avLst/>
-              <a:pathLst>
-                <a:path w="0" h="4048310">
-                  <a:moveTo>
-                    <a:pt x="0" y="4048310"/>
-                  </a:moveTo>
-                  <a:lnTo>
-                    <a:pt x="0" y="0"/>
-                  </a:lnTo>
-                  <a:lnTo>
-                    <a:pt x="0" y="0"/>
-                  </a:lnTo>
-                </a:path>
-              </a:pathLst>
-            </a:custGeom>
-            <a:ln w="6775" cap="flat">
-              <a:solidFill>
-                <a:srgbClr val="DEDEDE">
-                  <a:alpha val="100000"/>
-                </a:srgbClr>
-              </a:solidFill>
-              <a:prstDash val="solid"/>
-              <a:round/>
-            </a:ln>
+            </a:prstGeom>
+            <a:solidFill>
+              <a:srgbClr val="595959">
+                <a:alpha val="100000"/>
+              </a:srgbClr>
+            </a:solidFill>
+          </p:spPr>
+          <p:txBody>
+            <a:bodyPr/>
+            <a:lstStyle/>
+            <a:p/>
+          </p:txBody>
+        </p:sp>
+        <p:sp>
+          <p:nvSpPr>
+            <p:cNvPr id="18" name="rc18"/>
+            <p:cNvSpPr/>
+            <p:nvPr/>
+          </p:nvSpPr>
+          <p:spPr>
+            <a:xfrm>
+              <a:off x="2023549" y="2485916"/>
+              <a:ext cx="6502053" cy="700669"/>
+            </a:xfrm>
+            <a:prstGeom prst="rect">
+              <a:avLst/>
+            </a:prstGeom>
+            <a:solidFill>
+              <a:srgbClr val="595959">
+                <a:alpha val="100000"/>
+              </a:srgbClr>
+            </a:solidFill>
+          </p:spPr>
+          <p:txBody>
+            <a:bodyPr/>
+            <a:lstStyle/>
+            <a:p/>
+          </p:txBody>
+        </p:sp>
+        <p:sp>
+          <p:nvSpPr>
+            <p:cNvPr id="19" name="rc19"/>
+            <p:cNvSpPr/>
+            <p:nvPr/>
+          </p:nvSpPr>
+          <p:spPr>
+            <a:xfrm>
+              <a:off x="2023549" y="3264438"/>
+              <a:ext cx="4848828" cy="700669"/>
+            </a:xfrm>
+            <a:prstGeom prst="rect">
+              <a:avLst/>
+            </a:prstGeom>
+            <a:solidFill>
+              <a:srgbClr val="595959">
+                <a:alpha val="100000"/>
+              </a:srgbClr>
+            </a:solidFill>
           </p:spPr>
           <p:txBody>
             <a:bodyPr/>
@@ -3820,8 +3769,8 @@
           </p:nvSpPr>
           <p:spPr>
             <a:xfrm>
-              <a:off x="2023549" y="1688560"/>
-              <a:ext cx="6777983" cy="587658"/>
+              <a:off x="2023549" y="4042959"/>
+              <a:ext cx="4322910" cy="700669"/>
             </a:xfrm>
             <a:prstGeom prst="rect">
               <a:avLst/>
@@ -3846,8 +3795,8 @@
           </p:nvSpPr>
           <p:spPr>
             <a:xfrm>
-              <a:off x="2023549" y="2341513"/>
-              <a:ext cx="5856574" cy="587658"/>
+              <a:off x="2023549" y="4821480"/>
+              <a:ext cx="1672091" cy="700669"/>
             </a:xfrm>
             <a:prstGeom prst="rect">
               <a:avLst/>
@@ -3866,118 +3815,14 @@
         </p:sp>
         <p:sp>
           <p:nvSpPr>
-            <p:cNvPr id="22" name="rc22"/>
+            <p:cNvPr id="22" name="tx22"/>
             <p:cNvSpPr/>
             <p:nvPr/>
           </p:nvSpPr>
           <p:spPr>
             <a:xfrm>
-              <a:off x="2023549" y="2994466"/>
-              <a:ext cx="4210247" cy="587658"/>
-            </a:xfrm>
-            <a:prstGeom prst="rect">
-              <a:avLst/>
-            </a:prstGeom>
-            <a:solidFill>
-              <a:srgbClr val="595959">
-                <a:alpha val="100000"/>
-              </a:srgbClr>
-            </a:solidFill>
-          </p:spPr>
-          <p:txBody>
-            <a:bodyPr/>
-            <a:lstStyle/>
-            <a:p/>
-          </p:txBody>
-        </p:sp>
-        <p:sp>
-          <p:nvSpPr>
-            <p:cNvPr id="23" name="rc23"/>
-            <p:cNvSpPr/>
-            <p:nvPr/>
-          </p:nvSpPr>
-          <p:spPr>
-            <a:xfrm>
-              <a:off x="2023549" y="3647420"/>
-              <a:ext cx="4002310" cy="587658"/>
-            </a:xfrm>
-            <a:prstGeom prst="rect">
-              <a:avLst/>
-            </a:prstGeom>
-            <a:solidFill>
-              <a:srgbClr val="595959">
-                <a:alpha val="100000"/>
-              </a:srgbClr>
-            </a:solidFill>
-          </p:spPr>
-          <p:txBody>
-            <a:bodyPr/>
-            <a:lstStyle/>
-            <a:p/>
-          </p:txBody>
-        </p:sp>
-        <p:sp>
-          <p:nvSpPr>
-            <p:cNvPr id="24" name="rc24"/>
-            <p:cNvSpPr/>
-            <p:nvPr/>
-          </p:nvSpPr>
-          <p:spPr>
-            <a:xfrm>
-              <a:off x="2023549" y="4300373"/>
-              <a:ext cx="1577650" cy="587658"/>
-            </a:xfrm>
-            <a:prstGeom prst="rect">
-              <a:avLst/>
-            </a:prstGeom>
-            <a:solidFill>
-              <a:srgbClr val="595959">
-                <a:alpha val="100000"/>
-              </a:srgbClr>
-            </a:solidFill>
-          </p:spPr>
-          <p:txBody>
-            <a:bodyPr/>
-            <a:lstStyle/>
-            <a:p/>
-          </p:txBody>
-        </p:sp>
-        <p:sp>
-          <p:nvSpPr>
-            <p:cNvPr id="25" name="rc25"/>
-            <p:cNvSpPr/>
-            <p:nvPr/>
-          </p:nvSpPr>
-          <p:spPr>
-            <a:xfrm>
-              <a:off x="2023549" y="4953326"/>
-              <a:ext cx="120183" cy="587658"/>
-            </a:xfrm>
-            <a:prstGeom prst="rect">
-              <a:avLst/>
-            </a:prstGeom>
-            <a:solidFill>
-              <a:srgbClr val="595959">
-                <a:alpha val="100000"/>
-              </a:srgbClr>
-            </a:solidFill>
-          </p:spPr>
-          <p:txBody>
-            <a:bodyPr/>
-            <a:lstStyle/>
-            <a:p/>
-          </p:txBody>
-        </p:sp>
-        <p:sp>
-          <p:nvSpPr>
-            <p:cNvPr id="26" name="tx26"/>
-            <p:cNvSpPr/>
-            <p:nvPr/>
-          </p:nvSpPr>
-          <p:spPr>
-            <a:xfrm>
-              <a:off x="8198450" y="1925423"/>
-              <a:ext cx="436637" cy="80245"/>
+              <a:off x="7373025" y="2013256"/>
+              <a:ext cx="1300860" cy="67753"/>
             </a:xfrm>
             <a:prstGeom prst="rect">
               <a:avLst/>
@@ -4009,21 +3854,21 @@
                   <a:latin typeface="Arial"/>
                   <a:cs typeface="Arial"/>
                 </a:rPr>
-                <a:t>有益/有害菌</a:t>
+                <a:t>在极少数情况下益生菌可能造成感染</a:t>
               </a:r>
             </a:p>
           </p:txBody>
         </p:sp>
         <p:sp>
           <p:nvSpPr>
-            <p:cNvPr id="27" name="tx27"/>
+            <p:cNvPr id="23" name="tx23"/>
             <p:cNvSpPr/>
             <p:nvPr/>
           </p:nvSpPr>
           <p:spPr>
             <a:xfrm>
-              <a:off x="7307160" y="2590869"/>
-              <a:ext cx="406518" cy="67753"/>
+              <a:off x="7097095" y="2791777"/>
+              <a:ext cx="1300860" cy="67753"/>
             </a:xfrm>
             <a:prstGeom prst="rect">
               <a:avLst/>
@@ -4055,21 +3900,21 @@
                   <a:latin typeface="Arial"/>
                   <a:cs typeface="Arial"/>
                 </a:rPr>
-                <a:t>微生态平衡</a:t>
+                <a:t>免疫极为低下人群应避免摄入益生菌</a:t>
               </a:r>
             </a:p>
           </p:txBody>
         </p:sp>
         <p:sp>
           <p:nvSpPr>
-            <p:cNvPr id="28" name="tx28"/>
+            <p:cNvPr id="24" name="tx24"/>
             <p:cNvSpPr/>
             <p:nvPr/>
           </p:nvSpPr>
           <p:spPr>
             <a:xfrm>
-              <a:off x="5742136" y="3243822"/>
-              <a:ext cx="325215" cy="67753"/>
+              <a:off x="5281263" y="3570299"/>
+              <a:ext cx="1463467" cy="67753"/>
             </a:xfrm>
             <a:prstGeom prst="rect">
               <a:avLst/>
@@ -4101,21 +3946,21 @@
                   <a:latin typeface="Arial"/>
                   <a:cs typeface="Arial"/>
                 </a:rPr>
-                <a:t>肠道屏障</a:t>
+                <a:t>益生菌饮料等产品中过高的糖分可能有害</a:t>
               </a:r>
             </a:p>
           </p:txBody>
         </p:sp>
         <p:sp>
           <p:nvSpPr>
-            <p:cNvPr id="29" name="tx29"/>
+            <p:cNvPr id="25" name="tx25"/>
             <p:cNvSpPr/>
             <p:nvPr/>
           </p:nvSpPr>
           <p:spPr>
             <a:xfrm>
-              <a:off x="5534199" y="3896775"/>
-              <a:ext cx="325215" cy="67753"/>
+              <a:off x="4023610" y="4348820"/>
+              <a:ext cx="2195201" cy="67753"/>
             </a:xfrm>
             <a:prstGeom prst="rect">
               <a:avLst/>
@@ -4147,21 +3992,21 @@
                   <a:latin typeface="Arial"/>
                   <a:cs typeface="Arial"/>
                 </a:rPr>
-                <a:t>肠道菌群</a:t>
+                <a:t>过高剂量的摄入可能干扰正常微生态平衡或造成其他健康风险</a:t>
               </a:r>
             </a:p>
           </p:txBody>
         </p:sp>
         <p:sp>
           <p:nvSpPr>
-            <p:cNvPr id="30" name="tx30"/>
+            <p:cNvPr id="26" name="tx26"/>
             <p:cNvSpPr/>
             <p:nvPr/>
           </p:nvSpPr>
           <p:spPr>
             <a:xfrm>
-              <a:off x="3767644" y="4565248"/>
-              <a:ext cx="325215" cy="67753"/>
+              <a:off x="3823287" y="5142861"/>
+              <a:ext cx="1544771" cy="67753"/>
             </a:xfrm>
             <a:prstGeom prst="rect">
               <a:avLst/>
@@ -4193,60 +4038,14 @@
                   <a:latin typeface="Arial"/>
                   <a:cs typeface="Arial"/>
                 </a:rPr>
-                <a:t>黏膜免疫</a:t>
+                <a:t>来源不明的益生菌可能有额外的安全性风险</a:t>
               </a:r>
             </a:p>
           </p:txBody>
         </p:sp>
         <p:sp>
           <p:nvSpPr>
-            <p:cNvPr id="31" name="tx31"/>
-            <p:cNvSpPr/>
-            <p:nvPr/>
-          </p:nvSpPr>
-          <p:spPr>
-            <a:xfrm>
-              <a:off x="2310178" y="5218202"/>
-              <a:ext cx="569126" cy="67753"/>
-            </a:xfrm>
-            <a:prstGeom prst="rect">
-              <a:avLst/>
-            </a:prstGeom>
-            <a:noFill/>
-          </p:spPr>
-          <p:txBody>
-            <a:bodyPr lIns="0" rIns="0" tIns="0" bIns="0" anchorCtr="1" anchor="ctr" wrap="none"/>
-            <a:lstStyle/>
-            <a:p>
-              <a:pPr algn="l" marL="0" marR="0" indent="0">
-                <a:lnSpc>
-                  <a:spcPts val="853"/>
-                </a:lnSpc>
-                <a:spcBef>
-                  <a:spcPts val="0"/>
-                </a:spcBef>
-                <a:spcAft>
-                  <a:spcPts val="0"/>
-                </a:spcAft>
-              </a:pPr>
-              <a:r>
-                <a:rPr sz="853">
-                  <a:solidFill>
-                    <a:srgbClr val="000000">
-                      <a:alpha val="100000"/>
-                    </a:srgbClr>
-                  </a:solidFill>
-                  <a:latin typeface="Arial"/>
-                  <a:cs typeface="Arial"/>
-                </a:rPr>
-                <a:t>以上有没有听过</a:t>
-              </a:r>
-            </a:p>
-          </p:txBody>
-        </p:sp>
-        <p:sp>
-          <p:nvSpPr>
-            <p:cNvPr id="32" name="rc32"/>
+            <p:cNvPr id="27" name="rc27"/>
             <p:cNvSpPr/>
             <p:nvPr/>
           </p:nvSpPr>
@@ -4276,59 +4075,13 @@
         </p:sp>
         <p:sp>
           <p:nvSpPr>
-            <p:cNvPr id="33" name="tx33"/>
+            <p:cNvPr id="28" name="tx28"/>
             <p:cNvSpPr/>
             <p:nvPr/>
           </p:nvSpPr>
           <p:spPr>
             <a:xfrm>
-              <a:off x="1926599" y="5205464"/>
-              <a:ext cx="62155" cy="81691"/>
-            </a:xfrm>
-            <a:prstGeom prst="rect">
-              <a:avLst/>
-            </a:prstGeom>
-            <a:noFill/>
-          </p:spPr>
-          <p:txBody>
-            <a:bodyPr lIns="0" rIns="0" tIns="0" bIns="0" anchorCtr="1" anchor="ctr" wrap="none"/>
-            <a:lstStyle/>
-            <a:p>
-              <a:pPr algn="l" marL="0" marR="0" indent="0">
-                <a:lnSpc>
-                  <a:spcPts val="880"/>
-                </a:lnSpc>
-                <a:spcBef>
-                  <a:spcPts val="0"/>
-                </a:spcBef>
-                <a:spcAft>
-                  <a:spcPts val="0"/>
-                </a:spcAft>
-              </a:pPr>
-              <a:r>
-                <a:rPr sz="880" b="1">
-                  <a:solidFill>
-                    <a:srgbClr val="4D4D4D">
-                      <a:alpha val="100000"/>
-                    </a:srgbClr>
-                  </a:solidFill>
-                  <a:latin typeface="Arial"/>
-                  <a:cs typeface="Arial"/>
-                </a:rPr>
-                <a:t>6</a:t>
-              </a:r>
-            </a:p>
-          </p:txBody>
-        </p:sp>
-        <p:sp>
-          <p:nvSpPr>
-            <p:cNvPr id="34" name="tx34"/>
-            <p:cNvSpPr/>
-            <p:nvPr/>
-          </p:nvSpPr>
-          <p:spPr>
-            <a:xfrm>
-              <a:off x="1926599" y="4553929"/>
+              <a:off x="1926599" y="5131542"/>
               <a:ext cx="62155" cy="80272"/>
             </a:xfrm>
             <a:prstGeom prst="rect">
@@ -4368,13 +4121,13 @@
         </p:sp>
         <p:sp>
           <p:nvSpPr>
-            <p:cNvPr id="35" name="tx35"/>
+            <p:cNvPr id="29" name="tx29"/>
             <p:cNvSpPr/>
             <p:nvPr/>
           </p:nvSpPr>
           <p:spPr>
             <a:xfrm>
-              <a:off x="1926599" y="3900921"/>
+              <a:off x="1926599" y="4352966"/>
               <a:ext cx="62155" cy="80327"/>
             </a:xfrm>
             <a:prstGeom prst="rect">
@@ -4414,13 +4167,13 @@
         </p:sp>
         <p:sp>
           <p:nvSpPr>
-            <p:cNvPr id="36" name="tx36"/>
+            <p:cNvPr id="30" name="tx30"/>
             <p:cNvSpPr/>
             <p:nvPr/>
           </p:nvSpPr>
           <p:spPr>
             <a:xfrm>
-              <a:off x="1926599" y="3246604"/>
+              <a:off x="1926599" y="3573080"/>
               <a:ext cx="62155" cy="81691"/>
             </a:xfrm>
             <a:prstGeom prst="rect">
@@ -4460,13 +4213,13 @@
         </p:sp>
         <p:sp>
           <p:nvSpPr>
-            <p:cNvPr id="37" name="tx37"/>
+            <p:cNvPr id="31" name="tx31"/>
             <p:cNvSpPr/>
             <p:nvPr/>
           </p:nvSpPr>
           <p:spPr>
             <a:xfrm>
-              <a:off x="1926599" y="2595015"/>
+              <a:off x="1926599" y="2795923"/>
               <a:ext cx="62155" cy="80327"/>
             </a:xfrm>
             <a:prstGeom prst="rect">
@@ -4506,13 +4259,13 @@
         </p:sp>
         <p:sp>
           <p:nvSpPr>
-            <p:cNvPr id="38" name="tx38"/>
+            <p:cNvPr id="32" name="tx32"/>
             <p:cNvSpPr/>
             <p:nvPr/>
           </p:nvSpPr>
           <p:spPr>
             <a:xfrm>
-              <a:off x="1926599" y="1942061"/>
+              <a:off x="1926599" y="2017402"/>
               <a:ext cx="62155" cy="80327"/>
             </a:xfrm>
             <a:prstGeom prst="rect">
@@ -4552,13 +4305,13 @@
         </p:sp>
         <p:sp>
           <p:nvSpPr>
-            <p:cNvPr id="39" name="pl39"/>
+            <p:cNvPr id="33" name="pl33"/>
             <p:cNvSpPr/>
             <p:nvPr/>
           </p:nvSpPr>
           <p:spPr>
             <a:xfrm>
-              <a:off x="1988754" y="5247155"/>
+              <a:off x="1988754" y="5171815"/>
               <a:ext cx="34794" cy="0"/>
             </a:xfrm>
             <a:custGeom>
@@ -4592,13 +4345,13 @@
         </p:sp>
         <p:sp>
           <p:nvSpPr>
-            <p:cNvPr id="40" name="pl40"/>
+            <p:cNvPr id="34" name="pl34"/>
             <p:cNvSpPr/>
             <p:nvPr/>
           </p:nvSpPr>
           <p:spPr>
             <a:xfrm>
-              <a:off x="1988754" y="4594202"/>
+              <a:off x="1988754" y="4393293"/>
               <a:ext cx="34794" cy="0"/>
             </a:xfrm>
             <a:custGeom>
@@ -4632,13 +4385,13 @@
         </p:sp>
         <p:sp>
           <p:nvSpPr>
-            <p:cNvPr id="41" name="pl41"/>
+            <p:cNvPr id="35" name="pl35"/>
             <p:cNvSpPr/>
             <p:nvPr/>
           </p:nvSpPr>
           <p:spPr>
             <a:xfrm>
-              <a:off x="1988754" y="3941249"/>
+              <a:off x="1988754" y="3614772"/>
               <a:ext cx="34794" cy="0"/>
             </a:xfrm>
             <a:custGeom>
@@ -4672,13 +4425,13 @@
         </p:sp>
         <p:sp>
           <p:nvSpPr>
-            <p:cNvPr id="42" name="pl42"/>
+            <p:cNvPr id="36" name="pl36"/>
             <p:cNvSpPr/>
             <p:nvPr/>
           </p:nvSpPr>
           <p:spPr>
             <a:xfrm>
-              <a:off x="1988754" y="3288295"/>
+              <a:off x="1988754" y="2836251"/>
               <a:ext cx="34794" cy="0"/>
             </a:xfrm>
             <a:custGeom>
@@ -4712,13 +4465,13 @@
         </p:sp>
         <p:sp>
           <p:nvSpPr>
-            <p:cNvPr id="43" name="pl43"/>
+            <p:cNvPr id="37" name="pl37"/>
             <p:cNvSpPr/>
             <p:nvPr/>
           </p:nvSpPr>
           <p:spPr>
             <a:xfrm>
-              <a:off x="1988754" y="2635342"/>
+              <a:off x="1988754" y="2057730"/>
               <a:ext cx="34794" cy="0"/>
             </a:xfrm>
             <a:custGeom>
@@ -4752,47 +4505,7 @@
         </p:sp>
         <p:sp>
           <p:nvSpPr>
-            <p:cNvPr id="44" name="pl44"/>
-            <p:cNvSpPr/>
-            <p:nvPr/>
-          </p:nvSpPr>
-          <p:spPr>
-            <a:xfrm>
-              <a:off x="1988754" y="1982389"/>
-              <a:ext cx="34794" cy="0"/>
-            </a:xfrm>
-            <a:custGeom>
-              <a:avLst/>
-              <a:pathLst>
-                <a:path w="34794" h="0">
-                  <a:moveTo>
-                    <a:pt x="0" y="0"/>
-                  </a:moveTo>
-                  <a:lnTo>
-                    <a:pt x="34794" y="0"/>
-                  </a:lnTo>
-                </a:path>
-              </a:pathLst>
-            </a:custGeom>
-            <a:ln w="6775" cap="flat">
-              <a:solidFill>
-                <a:srgbClr val="B3B3B3">
-                  <a:alpha val="100000"/>
-                </a:srgbClr>
-              </a:solidFill>
-              <a:prstDash val="solid"/>
-              <a:round/>
-            </a:ln>
-          </p:spPr>
-          <p:txBody>
-            <a:bodyPr/>
-            <a:lstStyle/>
-            <a:p/>
-          </p:txBody>
-        </p:sp>
-        <p:sp>
-          <p:nvSpPr>
-            <p:cNvPr id="45" name="pl45"/>
+            <p:cNvPr id="38" name="pl38"/>
             <p:cNvSpPr/>
             <p:nvPr/>
           </p:nvSpPr>
@@ -4832,13 +4545,13 @@
         </p:sp>
         <p:sp>
           <p:nvSpPr>
-            <p:cNvPr id="46" name="pl46"/>
+            <p:cNvPr id="39" name="pl39"/>
             <p:cNvSpPr/>
             <p:nvPr/>
           </p:nvSpPr>
           <p:spPr>
             <a:xfrm>
-              <a:off x="3931228" y="5638927"/>
+              <a:off x="4381929" y="5638927"/>
               <a:ext cx="0" cy="34794"/>
             </a:xfrm>
             <a:custGeom>
@@ -4872,13 +4585,13 @@
         </p:sp>
         <p:sp>
           <p:nvSpPr>
-            <p:cNvPr id="47" name="pl47"/>
+            <p:cNvPr id="40" name="pl40"/>
             <p:cNvSpPr/>
             <p:nvPr/>
           </p:nvSpPr>
           <p:spPr>
             <a:xfrm>
-              <a:off x="5838907" y="5638927"/>
+              <a:off x="6740308" y="5638927"/>
               <a:ext cx="0" cy="34794"/>
             </a:xfrm>
             <a:custGeom>
@@ -4912,47 +4625,7 @@
         </p:sp>
         <p:sp>
           <p:nvSpPr>
-            <p:cNvPr id="48" name="pl48"/>
-            <p:cNvSpPr/>
-            <p:nvPr/>
-          </p:nvSpPr>
-          <p:spPr>
-            <a:xfrm>
-              <a:off x="7746586" y="5638927"/>
-              <a:ext cx="0" cy="34794"/>
-            </a:xfrm>
-            <a:custGeom>
-              <a:avLst/>
-              <a:pathLst>
-                <a:path w="0" h="34794">
-                  <a:moveTo>
-                    <a:pt x="0" y="34794"/>
-                  </a:moveTo>
-                  <a:lnTo>
-                    <a:pt x="0" y="0"/>
-                  </a:lnTo>
-                </a:path>
-              </a:pathLst>
-            </a:custGeom>
-            <a:ln w="6775" cap="flat">
-              <a:solidFill>
-                <a:srgbClr val="B3B3B3">
-                  <a:alpha val="100000"/>
-                </a:srgbClr>
-              </a:solidFill>
-              <a:prstDash val="solid"/>
-              <a:round/>
-            </a:ln>
-          </p:spPr>
-          <p:txBody>
-            <a:bodyPr/>
-            <a:lstStyle/>
-            <a:p/>
-          </p:txBody>
-        </p:sp>
-        <p:sp>
-          <p:nvSpPr>
-            <p:cNvPr id="49" name="tx49"/>
+            <p:cNvPr id="41" name="tx41"/>
             <p:cNvSpPr/>
             <p:nvPr/>
           </p:nvSpPr>
@@ -4998,13 +4671,13 @@
         </p:sp>
         <p:sp>
           <p:nvSpPr>
-            <p:cNvPr id="50" name="tx50"/>
+            <p:cNvPr id="42" name="tx42"/>
             <p:cNvSpPr/>
             <p:nvPr/>
           </p:nvSpPr>
           <p:spPr>
             <a:xfrm>
-              <a:off x="3806917" y="5699866"/>
+              <a:off x="4257617" y="5699866"/>
               <a:ext cx="248622" cy="81691"/>
             </a:xfrm>
             <a:prstGeom prst="rect">
@@ -5044,13 +4717,13 @@
         </p:sp>
         <p:sp>
           <p:nvSpPr>
-            <p:cNvPr id="51" name="tx51"/>
+            <p:cNvPr id="43" name="tx43"/>
             <p:cNvSpPr/>
             <p:nvPr/>
           </p:nvSpPr>
           <p:spPr>
             <a:xfrm>
-              <a:off x="5714596" y="5699866"/>
+              <a:off x="6615997" y="5699866"/>
               <a:ext cx="248622" cy="81691"/>
             </a:xfrm>
             <a:prstGeom prst="rect">
@@ -5084,52 +4757,6 @@
                   <a:cs typeface="Arial"/>
                 </a:rPr>
                 <a:t>2000</a:t>
-              </a:r>
-            </a:p>
-          </p:txBody>
-        </p:sp>
-        <p:sp>
-          <p:nvSpPr>
-            <p:cNvPr id="52" name="tx52"/>
-            <p:cNvSpPr/>
-            <p:nvPr/>
-          </p:nvSpPr>
-          <p:spPr>
-            <a:xfrm>
-              <a:off x="7622275" y="5699811"/>
-              <a:ext cx="248622" cy="81746"/>
-            </a:xfrm>
-            <a:prstGeom prst="rect">
-              <a:avLst/>
-            </a:prstGeom>
-            <a:noFill/>
-          </p:spPr>
-          <p:txBody>
-            <a:bodyPr lIns="0" rIns="0" tIns="0" bIns="0" anchorCtr="1" anchor="ctr" wrap="none"/>
-            <a:lstStyle/>
-            <a:p>
-              <a:pPr algn="l" marL="0" marR="0" indent="0">
-                <a:lnSpc>
-                  <a:spcPts val="880"/>
-                </a:lnSpc>
-                <a:spcBef>
-                  <a:spcPts val="0"/>
-                </a:spcBef>
-                <a:spcAft>
-                  <a:spcPts val="0"/>
-                </a:spcAft>
-              </a:pPr>
-              <a:r>
-                <a:rPr sz="880">
-                  <a:solidFill>
-                    <a:srgbClr val="4D4D4D">
-                      <a:alpha val="100000"/>
-                    </a:srgbClr>
-                  </a:solidFill>
-                  <a:latin typeface="Arial"/>
-                  <a:cs typeface="Arial"/>
-                </a:rPr>
-                <a:t>3000</a:t>
               </a:r>
             </a:p>
           </p:txBody>

--- a/_book/plot/unnamed-chunk-76-1.pptx
+++ b/_book/plot/unnamed-chunk-76-1.pptx
@@ -3192,8 +3192,8 @@
           </p:nvSpPr>
           <p:spPr>
             <a:xfrm>
-              <a:off x="2023549" y="1590617"/>
-              <a:ext cx="6913543" cy="4048310"/>
+              <a:off x="2217943" y="1809173"/>
+              <a:ext cx="2193323" cy="3464924"/>
             </a:xfrm>
             <a:prstGeom prst="rect">
               <a:avLst/>
@@ -3218,28 +3218,28 @@
           </p:nvSpPr>
           <p:spPr>
             <a:xfrm>
-              <a:off x="3202739" y="1590617"/>
-              <a:ext cx="0" cy="4048310"/>
+              <a:off x="2217943" y="4733581"/>
+              <a:ext cx="2193323" cy="0"/>
             </a:xfrm>
             <a:custGeom>
               <a:avLst/>
               <a:pathLst>
-                <a:path w="0" h="4048310">
+                <a:path w="2193323" h="0">
                   <a:moveTo>
-                    <a:pt x="0" y="4048310"/>
+                    <a:pt x="0" y="0"/>
                   </a:moveTo>
                   <a:lnTo>
-                    <a:pt x="0" y="0"/>
-                  </a:lnTo>
-                  <a:lnTo>
-                    <a:pt x="0" y="0"/>
+                    <a:pt x="2193323" y="0"/>
+                  </a:lnTo>
+                  <a:lnTo>
+                    <a:pt x="2193323" y="0"/>
                   </a:lnTo>
                 </a:path>
               </a:pathLst>
             </a:custGeom>
-            <a:ln w="3387" cap="flat">
+            <a:ln w="6775" cap="flat">
               <a:solidFill>
-                <a:srgbClr val="DEDEDE">
+                <a:srgbClr val="EBEBEB">
                   <a:alpha val="100000"/>
                 </a:srgbClr>
               </a:solidFill>
@@ -3261,28 +3261,28 @@
           </p:nvSpPr>
           <p:spPr>
             <a:xfrm>
-              <a:off x="5561118" y="1590617"/>
-              <a:ext cx="0" cy="4048310"/>
+              <a:off x="2217943" y="3967541"/>
+              <a:ext cx="2193323" cy="0"/>
             </a:xfrm>
             <a:custGeom>
               <a:avLst/>
               <a:pathLst>
-                <a:path w="0" h="4048310">
+                <a:path w="2193323" h="0">
                   <a:moveTo>
-                    <a:pt x="0" y="4048310"/>
+                    <a:pt x="0" y="0"/>
                   </a:moveTo>
                   <a:lnTo>
-                    <a:pt x="0" y="0"/>
-                  </a:lnTo>
-                  <a:lnTo>
-                    <a:pt x="0" y="0"/>
+                    <a:pt x="2193323" y="0"/>
+                  </a:lnTo>
+                  <a:lnTo>
+                    <a:pt x="2193323" y="0"/>
                   </a:lnTo>
                 </a:path>
               </a:pathLst>
             </a:custGeom>
-            <a:ln w="3387" cap="flat">
+            <a:ln w="6775" cap="flat">
               <a:solidFill>
-                <a:srgbClr val="DEDEDE">
+                <a:srgbClr val="EBEBEB">
                   <a:alpha val="100000"/>
                 </a:srgbClr>
               </a:solidFill>
@@ -3304,28 +3304,28 @@
           </p:nvSpPr>
           <p:spPr>
             <a:xfrm>
-              <a:off x="7919498" y="1590617"/>
-              <a:ext cx="0" cy="4048310"/>
+              <a:off x="2217943" y="3201501"/>
+              <a:ext cx="2193323" cy="0"/>
             </a:xfrm>
             <a:custGeom>
               <a:avLst/>
               <a:pathLst>
-                <a:path w="0" h="4048310">
+                <a:path w="2193323" h="0">
                   <a:moveTo>
-                    <a:pt x="0" y="4048310"/>
+                    <a:pt x="0" y="0"/>
                   </a:moveTo>
                   <a:lnTo>
-                    <a:pt x="0" y="0"/>
-                  </a:lnTo>
-                  <a:lnTo>
-                    <a:pt x="0" y="0"/>
+                    <a:pt x="2193323" y="0"/>
+                  </a:lnTo>
+                  <a:lnTo>
+                    <a:pt x="2193323" y="0"/>
                   </a:lnTo>
                 </a:path>
               </a:pathLst>
             </a:custGeom>
-            <a:ln w="3387" cap="flat">
+            <a:ln w="6775" cap="flat">
               <a:solidFill>
-                <a:srgbClr val="DEDEDE">
+                <a:srgbClr val="EBEBEB">
                   <a:alpha val="100000"/>
                 </a:srgbClr>
               </a:solidFill>
@@ -3347,28 +3347,28 @@
           </p:nvSpPr>
           <p:spPr>
             <a:xfrm>
-              <a:off x="2023549" y="5171815"/>
-              <a:ext cx="6913543" cy="0"/>
+              <a:off x="2217943" y="2435462"/>
+              <a:ext cx="2193323" cy="0"/>
             </a:xfrm>
             <a:custGeom>
               <a:avLst/>
               <a:pathLst>
-                <a:path w="6913543" h="0">
+                <a:path w="2193323" h="0">
                   <a:moveTo>
                     <a:pt x="0" y="0"/>
                   </a:moveTo>
                   <a:lnTo>
-                    <a:pt x="6913543" y="0"/>
-                  </a:lnTo>
-                  <a:lnTo>
-                    <a:pt x="6913543" y="0"/>
+                    <a:pt x="2193323" y="0"/>
+                  </a:lnTo>
+                  <a:lnTo>
+                    <a:pt x="2193323" y="0"/>
                   </a:lnTo>
                 </a:path>
               </a:pathLst>
             </a:custGeom>
             <a:ln w="6775" cap="flat">
               <a:solidFill>
-                <a:srgbClr val="DEDEDE">
+                <a:srgbClr val="EBEBEB">
                   <a:alpha val="100000"/>
                 </a:srgbClr>
               </a:solidFill>
@@ -3390,28 +3390,28 @@
           </p:nvSpPr>
           <p:spPr>
             <a:xfrm>
-              <a:off x="2023549" y="4393293"/>
-              <a:ext cx="6913543" cy="0"/>
+              <a:off x="2217943" y="5116600"/>
+              <a:ext cx="2193323" cy="0"/>
             </a:xfrm>
             <a:custGeom>
               <a:avLst/>
               <a:pathLst>
-                <a:path w="6913543" h="0">
+                <a:path w="2193323" h="0">
                   <a:moveTo>
                     <a:pt x="0" y="0"/>
                   </a:moveTo>
                   <a:lnTo>
-                    <a:pt x="6913543" y="0"/>
-                  </a:lnTo>
-                  <a:lnTo>
-                    <a:pt x="6913543" y="0"/>
+                    <a:pt x="2193323" y="0"/>
+                  </a:lnTo>
+                  <a:lnTo>
+                    <a:pt x="2193323" y="0"/>
                   </a:lnTo>
                 </a:path>
               </a:pathLst>
             </a:custGeom>
-            <a:ln w="6775" cap="flat">
+            <a:ln w="13550" cap="flat">
               <a:solidFill>
-                <a:srgbClr val="DEDEDE">
+                <a:srgbClr val="EBEBEB">
                   <a:alpha val="100000"/>
                 </a:srgbClr>
               </a:solidFill>
@@ -3433,28 +3433,28 @@
           </p:nvSpPr>
           <p:spPr>
             <a:xfrm>
-              <a:off x="2023549" y="3614772"/>
-              <a:ext cx="6913543" cy="0"/>
+              <a:off x="2217943" y="4350561"/>
+              <a:ext cx="2193323" cy="0"/>
             </a:xfrm>
             <a:custGeom>
               <a:avLst/>
               <a:pathLst>
-                <a:path w="6913543" h="0">
+                <a:path w="2193323" h="0">
                   <a:moveTo>
                     <a:pt x="0" y="0"/>
                   </a:moveTo>
                   <a:lnTo>
-                    <a:pt x="6913543" y="0"/>
-                  </a:lnTo>
-                  <a:lnTo>
-                    <a:pt x="6913543" y="0"/>
+                    <a:pt x="2193323" y="0"/>
+                  </a:lnTo>
+                  <a:lnTo>
+                    <a:pt x="2193323" y="0"/>
                   </a:lnTo>
                 </a:path>
               </a:pathLst>
             </a:custGeom>
-            <a:ln w="6775" cap="flat">
+            <a:ln w="13550" cap="flat">
               <a:solidFill>
-                <a:srgbClr val="DEDEDE">
+                <a:srgbClr val="EBEBEB">
                   <a:alpha val="100000"/>
                 </a:srgbClr>
               </a:solidFill>
@@ -3476,28 +3476,28 @@
           </p:nvSpPr>
           <p:spPr>
             <a:xfrm>
-              <a:off x="2023549" y="2836251"/>
-              <a:ext cx="6913543" cy="0"/>
+              <a:off x="2217943" y="3584521"/>
+              <a:ext cx="2193323" cy="0"/>
             </a:xfrm>
             <a:custGeom>
               <a:avLst/>
               <a:pathLst>
-                <a:path w="6913543" h="0">
+                <a:path w="2193323" h="0">
                   <a:moveTo>
                     <a:pt x="0" y="0"/>
                   </a:moveTo>
                   <a:lnTo>
-                    <a:pt x="6913543" y="0"/>
-                  </a:lnTo>
-                  <a:lnTo>
-                    <a:pt x="6913543" y="0"/>
+                    <a:pt x="2193323" y="0"/>
+                  </a:lnTo>
+                  <a:lnTo>
+                    <a:pt x="2193323" y="0"/>
                   </a:lnTo>
                 </a:path>
               </a:pathLst>
             </a:custGeom>
-            <a:ln w="6775" cap="flat">
+            <a:ln w="13550" cap="flat">
               <a:solidFill>
-                <a:srgbClr val="DEDEDE">
+                <a:srgbClr val="EBEBEB">
                   <a:alpha val="100000"/>
                 </a:srgbClr>
               </a:solidFill>
@@ -3519,28 +3519,28 @@
           </p:nvSpPr>
           <p:spPr>
             <a:xfrm>
-              <a:off x="2023549" y="2057730"/>
-              <a:ext cx="6913543" cy="0"/>
+              <a:off x="2217943" y="2818482"/>
+              <a:ext cx="2193323" cy="0"/>
             </a:xfrm>
             <a:custGeom>
               <a:avLst/>
               <a:pathLst>
-                <a:path w="6913543" h="0">
+                <a:path w="2193323" h="0">
                   <a:moveTo>
                     <a:pt x="0" y="0"/>
                   </a:moveTo>
                   <a:lnTo>
-                    <a:pt x="6913543" y="0"/>
-                  </a:lnTo>
-                  <a:lnTo>
-                    <a:pt x="6913543" y="0"/>
+                    <a:pt x="2193323" y="0"/>
+                  </a:lnTo>
+                  <a:lnTo>
+                    <a:pt x="2193323" y="0"/>
                   </a:lnTo>
                 </a:path>
               </a:pathLst>
             </a:custGeom>
-            <a:ln w="6775" cap="flat">
+            <a:ln w="13550" cap="flat">
               <a:solidFill>
-                <a:srgbClr val="DEDEDE">
+                <a:srgbClr val="EBEBEB">
                   <a:alpha val="100000"/>
                 </a:srgbClr>
               </a:solidFill>
@@ -3562,28 +3562,28 @@
           </p:nvSpPr>
           <p:spPr>
             <a:xfrm>
-              <a:off x="2023549" y="1590617"/>
-              <a:ext cx="0" cy="4048310"/>
+              <a:off x="2217943" y="2052442"/>
+              <a:ext cx="2193323" cy="0"/>
             </a:xfrm>
             <a:custGeom>
               <a:avLst/>
               <a:pathLst>
-                <a:path w="0" h="4048310">
+                <a:path w="2193323" h="0">
                   <a:moveTo>
-                    <a:pt x="0" y="4048310"/>
+                    <a:pt x="0" y="0"/>
                   </a:moveTo>
                   <a:lnTo>
-                    <a:pt x="0" y="0"/>
-                  </a:lnTo>
-                  <a:lnTo>
-                    <a:pt x="0" y="0"/>
+                    <a:pt x="2193323" y="0"/>
+                  </a:lnTo>
+                  <a:lnTo>
+                    <a:pt x="2193323" y="0"/>
                   </a:lnTo>
                 </a:path>
               </a:pathLst>
             </a:custGeom>
-            <a:ln w="6775" cap="flat">
+            <a:ln w="13550" cap="flat">
               <a:solidFill>
-                <a:srgbClr val="DEDEDE">
+                <a:srgbClr val="EBEBEB">
                   <a:alpha val="100000"/>
                 </a:srgbClr>
               </a:solidFill>
@@ -3605,15 +3605,15 @@
           </p:nvSpPr>
           <p:spPr>
             <a:xfrm>
-              <a:off x="4381929" y="1590617"/>
-              <a:ext cx="0" cy="4048310"/>
+              <a:off x="2629191" y="1809173"/>
+              <a:ext cx="0" cy="3464924"/>
             </a:xfrm>
             <a:custGeom>
               <a:avLst/>
               <a:pathLst>
-                <a:path w="0" h="4048310">
+                <a:path w="0" h="3464924">
                   <a:moveTo>
-                    <a:pt x="0" y="4048310"/>
+                    <a:pt x="0" y="3464924"/>
                   </a:moveTo>
                   <a:lnTo>
                     <a:pt x="0" y="0"/>
@@ -3624,9 +3624,9 @@
                 </a:path>
               </a:pathLst>
             </a:custGeom>
-            <a:ln w="6775" cap="flat">
+            <a:ln w="13550" cap="flat">
               <a:solidFill>
-                <a:srgbClr val="DEDEDE">
+                <a:srgbClr val="EBEBEB">
                   <a:alpha val="100000"/>
                 </a:srgbClr>
               </a:solidFill>
@@ -3648,15 +3648,15 @@
           </p:nvSpPr>
           <p:spPr>
             <a:xfrm>
-              <a:off x="6740308" y="1590617"/>
-              <a:ext cx="0" cy="4048310"/>
+              <a:off x="3314605" y="1809173"/>
+              <a:ext cx="0" cy="3464924"/>
             </a:xfrm>
             <a:custGeom>
               <a:avLst/>
               <a:pathLst>
-                <a:path w="0" h="4048310">
+                <a:path w="0" h="3464924">
                   <a:moveTo>
-                    <a:pt x="0" y="4048310"/>
+                    <a:pt x="0" y="3464924"/>
                   </a:moveTo>
                   <a:lnTo>
                     <a:pt x="0" y="0"/>
@@ -3667,9 +3667,9 @@
                 </a:path>
               </a:pathLst>
             </a:custGeom>
-            <a:ln w="6775" cap="flat">
+            <a:ln w="13550" cap="flat">
               <a:solidFill>
-                <a:srgbClr val="DEDEDE">
+                <a:srgbClr val="EBEBEB">
                   <a:alpha val="100000"/>
                 </a:srgbClr>
               </a:solidFill>
@@ -3685,381 +3685,34 @@
         </p:sp>
         <p:sp>
           <p:nvSpPr>
-            <p:cNvPr id="17" name="rc17"/>
-            <p:cNvSpPr/>
-            <p:nvPr/>
-          </p:nvSpPr>
-          <p:spPr>
-            <a:xfrm>
-              <a:off x="2023549" y="1707395"/>
-              <a:ext cx="6777983" cy="700669"/>
-            </a:xfrm>
-            <a:prstGeom prst="rect">
-              <a:avLst/>
-            </a:prstGeom>
-            <a:solidFill>
-              <a:srgbClr val="595959">
-                <a:alpha val="100000"/>
-              </a:srgbClr>
-            </a:solidFill>
-          </p:spPr>
-          <p:txBody>
-            <a:bodyPr/>
-            <a:lstStyle/>
-            <a:p/>
-          </p:txBody>
-        </p:sp>
-        <p:sp>
-          <p:nvSpPr>
-            <p:cNvPr id="18" name="rc18"/>
-            <p:cNvSpPr/>
-            <p:nvPr/>
-          </p:nvSpPr>
-          <p:spPr>
-            <a:xfrm>
-              <a:off x="2023549" y="2485916"/>
-              <a:ext cx="6502053" cy="700669"/>
-            </a:xfrm>
-            <a:prstGeom prst="rect">
-              <a:avLst/>
-            </a:prstGeom>
-            <a:solidFill>
-              <a:srgbClr val="595959">
-                <a:alpha val="100000"/>
-              </a:srgbClr>
-            </a:solidFill>
-          </p:spPr>
-          <p:txBody>
-            <a:bodyPr/>
-            <a:lstStyle/>
-            <a:p/>
-          </p:txBody>
-        </p:sp>
-        <p:sp>
-          <p:nvSpPr>
-            <p:cNvPr id="19" name="rc19"/>
-            <p:cNvSpPr/>
-            <p:nvPr/>
-          </p:nvSpPr>
-          <p:spPr>
-            <a:xfrm>
-              <a:off x="2023549" y="3264438"/>
-              <a:ext cx="4848828" cy="700669"/>
-            </a:xfrm>
-            <a:prstGeom prst="rect">
-              <a:avLst/>
-            </a:prstGeom>
-            <a:solidFill>
-              <a:srgbClr val="595959">
-                <a:alpha val="100000"/>
-              </a:srgbClr>
-            </a:solidFill>
-          </p:spPr>
-          <p:txBody>
-            <a:bodyPr/>
-            <a:lstStyle/>
-            <a:p/>
-          </p:txBody>
-        </p:sp>
-        <p:sp>
-          <p:nvSpPr>
-            <p:cNvPr id="20" name="rc20"/>
-            <p:cNvSpPr/>
-            <p:nvPr/>
-          </p:nvSpPr>
-          <p:spPr>
-            <a:xfrm>
-              <a:off x="2023549" y="4042959"/>
-              <a:ext cx="4322910" cy="700669"/>
-            </a:xfrm>
-            <a:prstGeom prst="rect">
-              <a:avLst/>
-            </a:prstGeom>
-            <a:solidFill>
-              <a:srgbClr val="595959">
-                <a:alpha val="100000"/>
-              </a:srgbClr>
-            </a:solidFill>
-          </p:spPr>
-          <p:txBody>
-            <a:bodyPr/>
-            <a:lstStyle/>
-            <a:p/>
-          </p:txBody>
-        </p:sp>
-        <p:sp>
-          <p:nvSpPr>
-            <p:cNvPr id="21" name="rc21"/>
-            <p:cNvSpPr/>
-            <p:nvPr/>
-          </p:nvSpPr>
-          <p:spPr>
-            <a:xfrm>
-              <a:off x="2023549" y="4821480"/>
-              <a:ext cx="1672091" cy="700669"/>
-            </a:xfrm>
-            <a:prstGeom prst="rect">
-              <a:avLst/>
-            </a:prstGeom>
-            <a:solidFill>
-              <a:srgbClr val="595959">
-                <a:alpha val="100000"/>
-              </a:srgbClr>
-            </a:solidFill>
-          </p:spPr>
-          <p:txBody>
-            <a:bodyPr/>
-            <a:lstStyle/>
-            <a:p/>
-          </p:txBody>
-        </p:sp>
-        <p:sp>
-          <p:nvSpPr>
-            <p:cNvPr id="22" name="tx22"/>
-            <p:cNvSpPr/>
-            <p:nvPr/>
-          </p:nvSpPr>
-          <p:spPr>
-            <a:xfrm>
-              <a:off x="7373025" y="2013256"/>
-              <a:ext cx="1300860" cy="67753"/>
-            </a:xfrm>
-            <a:prstGeom prst="rect">
-              <a:avLst/>
-            </a:prstGeom>
-            <a:noFill/>
-          </p:spPr>
-          <p:txBody>
-            <a:bodyPr lIns="0" rIns="0" tIns="0" bIns="0" anchorCtr="1" anchor="ctr" wrap="none"/>
-            <a:lstStyle/>
-            <a:p>
-              <a:pPr algn="l" marL="0" marR="0" indent="0">
-                <a:lnSpc>
-                  <a:spcPts val="853"/>
-                </a:lnSpc>
-                <a:spcBef>
-                  <a:spcPts val="0"/>
-                </a:spcBef>
-                <a:spcAft>
-                  <a:spcPts val="0"/>
-                </a:spcAft>
-              </a:pPr>
-              <a:r>
-                <a:rPr sz="853" b="1">
-                  <a:solidFill>
-                    <a:srgbClr val="FFFFFF">
-                      <a:alpha val="100000"/>
-                    </a:srgbClr>
-                  </a:solidFill>
-                  <a:latin typeface="Arial"/>
-                  <a:cs typeface="Arial"/>
-                </a:rPr>
-                <a:t>在极少数情况下益生菌可能造成感染</a:t>
-              </a:r>
-            </a:p>
-          </p:txBody>
-        </p:sp>
-        <p:sp>
-          <p:nvSpPr>
-            <p:cNvPr id="23" name="tx23"/>
-            <p:cNvSpPr/>
-            <p:nvPr/>
-          </p:nvSpPr>
-          <p:spPr>
-            <a:xfrm>
-              <a:off x="7097095" y="2791777"/>
-              <a:ext cx="1300860" cy="67753"/>
-            </a:xfrm>
-            <a:prstGeom prst="rect">
-              <a:avLst/>
-            </a:prstGeom>
-            <a:noFill/>
-          </p:spPr>
-          <p:txBody>
-            <a:bodyPr lIns="0" rIns="0" tIns="0" bIns="0" anchorCtr="1" anchor="ctr" wrap="none"/>
-            <a:lstStyle/>
-            <a:p>
-              <a:pPr algn="l" marL="0" marR="0" indent="0">
-                <a:lnSpc>
-                  <a:spcPts val="853"/>
-                </a:lnSpc>
-                <a:spcBef>
-                  <a:spcPts val="0"/>
-                </a:spcBef>
-                <a:spcAft>
-                  <a:spcPts val="0"/>
-                </a:spcAft>
-              </a:pPr>
-              <a:r>
-                <a:rPr sz="853" b="1">
-                  <a:solidFill>
-                    <a:srgbClr val="FFFFFF">
-                      <a:alpha val="100000"/>
-                    </a:srgbClr>
-                  </a:solidFill>
-                  <a:latin typeface="Arial"/>
-                  <a:cs typeface="Arial"/>
-                </a:rPr>
-                <a:t>免疫极为低下人群应避免摄入益生菌</a:t>
-              </a:r>
-            </a:p>
-          </p:txBody>
-        </p:sp>
-        <p:sp>
-          <p:nvSpPr>
-            <p:cNvPr id="24" name="tx24"/>
-            <p:cNvSpPr/>
-            <p:nvPr/>
-          </p:nvSpPr>
-          <p:spPr>
-            <a:xfrm>
-              <a:off x="5281263" y="3570299"/>
-              <a:ext cx="1463467" cy="67753"/>
-            </a:xfrm>
-            <a:prstGeom prst="rect">
-              <a:avLst/>
-            </a:prstGeom>
-            <a:noFill/>
-          </p:spPr>
-          <p:txBody>
-            <a:bodyPr lIns="0" rIns="0" tIns="0" bIns="0" anchorCtr="1" anchor="ctr" wrap="none"/>
-            <a:lstStyle/>
-            <a:p>
-              <a:pPr algn="l" marL="0" marR="0" indent="0">
-                <a:lnSpc>
-                  <a:spcPts val="853"/>
-                </a:lnSpc>
-                <a:spcBef>
-                  <a:spcPts val="0"/>
-                </a:spcBef>
-                <a:spcAft>
-                  <a:spcPts val="0"/>
-                </a:spcAft>
-              </a:pPr>
-              <a:r>
-                <a:rPr sz="853" b="1">
-                  <a:solidFill>
-                    <a:srgbClr val="FFFFFF">
-                      <a:alpha val="100000"/>
-                    </a:srgbClr>
-                  </a:solidFill>
-                  <a:latin typeface="Arial"/>
-                  <a:cs typeface="Arial"/>
-                </a:rPr>
-                <a:t>益生菌饮料等产品中过高的糖分可能有害</a:t>
-              </a:r>
-            </a:p>
-          </p:txBody>
-        </p:sp>
-        <p:sp>
-          <p:nvSpPr>
-            <p:cNvPr id="25" name="tx25"/>
-            <p:cNvSpPr/>
-            <p:nvPr/>
-          </p:nvSpPr>
-          <p:spPr>
-            <a:xfrm>
-              <a:off x="4023610" y="4348820"/>
-              <a:ext cx="2195201" cy="67753"/>
-            </a:xfrm>
-            <a:prstGeom prst="rect">
-              <a:avLst/>
-            </a:prstGeom>
-            <a:noFill/>
-          </p:spPr>
-          <p:txBody>
-            <a:bodyPr lIns="0" rIns="0" tIns="0" bIns="0" anchorCtr="1" anchor="ctr" wrap="none"/>
-            <a:lstStyle/>
-            <a:p>
-              <a:pPr algn="l" marL="0" marR="0" indent="0">
-                <a:lnSpc>
-                  <a:spcPts val="853"/>
-                </a:lnSpc>
-                <a:spcBef>
-                  <a:spcPts val="0"/>
-                </a:spcBef>
-                <a:spcAft>
-                  <a:spcPts val="0"/>
-                </a:spcAft>
-              </a:pPr>
-              <a:r>
-                <a:rPr sz="853" b="1">
-                  <a:solidFill>
-                    <a:srgbClr val="FFFFFF">
-                      <a:alpha val="100000"/>
-                    </a:srgbClr>
-                  </a:solidFill>
-                  <a:latin typeface="Arial"/>
-                  <a:cs typeface="Arial"/>
-                </a:rPr>
-                <a:t>过高剂量的摄入可能干扰正常微生态平衡或造成其他健康风险</a:t>
-              </a:r>
-            </a:p>
-          </p:txBody>
-        </p:sp>
-        <p:sp>
-          <p:nvSpPr>
-            <p:cNvPr id="26" name="tx26"/>
-            <p:cNvSpPr/>
-            <p:nvPr/>
-          </p:nvSpPr>
-          <p:spPr>
-            <a:xfrm>
-              <a:off x="3823287" y="5142861"/>
-              <a:ext cx="1544771" cy="67753"/>
-            </a:xfrm>
-            <a:prstGeom prst="rect">
-              <a:avLst/>
-            </a:prstGeom>
-            <a:noFill/>
-          </p:spPr>
-          <p:txBody>
-            <a:bodyPr lIns="0" rIns="0" tIns="0" bIns="0" anchorCtr="1" anchor="ctr" wrap="none"/>
-            <a:lstStyle/>
-            <a:p>
-              <a:pPr algn="l" marL="0" marR="0" indent="0">
-                <a:lnSpc>
-                  <a:spcPts val="853"/>
-                </a:lnSpc>
-                <a:spcBef>
-                  <a:spcPts val="0"/>
-                </a:spcBef>
-                <a:spcAft>
-                  <a:spcPts val="0"/>
-                </a:spcAft>
-              </a:pPr>
-              <a:r>
-                <a:rPr sz="853">
-                  <a:solidFill>
-                    <a:srgbClr val="000000">
-                      <a:alpha val="100000"/>
-                    </a:srgbClr>
-                  </a:solidFill>
-                  <a:latin typeface="Arial"/>
-                  <a:cs typeface="Arial"/>
-                </a:rPr>
-                <a:t>来源不明的益生菌可能有额外的安全性风险</a:t>
-              </a:r>
-            </a:p>
-          </p:txBody>
-        </p:sp>
-        <p:sp>
-          <p:nvSpPr>
-            <p:cNvPr id="27" name="rc27"/>
-            <p:cNvSpPr/>
-            <p:nvPr/>
-          </p:nvSpPr>
-          <p:spPr>
-            <a:xfrm>
-              <a:off x="2023549" y="1590617"/>
-              <a:ext cx="6913543" cy="4048310"/>
-            </a:xfrm>
-            <a:prstGeom prst="rect">
-              <a:avLst/>
-            </a:prstGeom>
-            <a:ln w="13550" cap="rnd">
+            <p:cNvPr id="17" name="pl17"/>
+            <p:cNvSpPr/>
+            <p:nvPr/>
+          </p:nvSpPr>
+          <p:spPr>
+            <a:xfrm>
+              <a:off x="4000019" y="1809173"/>
+              <a:ext cx="0" cy="3464924"/>
+            </a:xfrm>
+            <a:custGeom>
+              <a:avLst/>
+              <a:pathLst>
+                <a:path w="0" h="3464924">
+                  <a:moveTo>
+                    <a:pt x="0" y="3464924"/>
+                  </a:moveTo>
+                  <a:lnTo>
+                    <a:pt x="0" y="0"/>
+                  </a:lnTo>
+                  <a:lnTo>
+                    <a:pt x="0" y="0"/>
+                  </a:lnTo>
+                </a:path>
+              </a:pathLst>
+            </a:custGeom>
+            <a:ln w="13550" cap="flat">
               <a:solidFill>
-                <a:srgbClr val="B3B3B3">
+                <a:srgbClr val="EBEBEB">
                   <a:alpha val="100000"/>
                 </a:srgbClr>
               </a:solidFill>
@@ -4075,14 +3728,1457 @@
         </p:sp>
         <p:sp>
           <p:nvSpPr>
-            <p:cNvPr id="28" name="tx28"/>
-            <p:cNvSpPr/>
-            <p:nvPr/>
-          </p:nvSpPr>
-          <p:spPr>
-            <a:xfrm>
-              <a:off x="1926599" y="5131542"/>
-              <a:ext cx="62155" cy="80272"/>
+            <p:cNvPr id="18" name="rc18"/>
+            <p:cNvSpPr/>
+            <p:nvPr/>
+          </p:nvSpPr>
+          <p:spPr>
+            <a:xfrm>
+              <a:off x="2320755" y="5038255"/>
+              <a:ext cx="616872" cy="78344"/>
+            </a:xfrm>
+            <a:prstGeom prst="rect">
+              <a:avLst/>
+            </a:prstGeom>
+            <a:solidFill>
+              <a:srgbClr val="FEE0D2">
+                <a:alpha val="100000"/>
+              </a:srgbClr>
+            </a:solidFill>
+          </p:spPr>
+          <p:txBody>
+            <a:bodyPr/>
+            <a:lstStyle/>
+            <a:p/>
+          </p:txBody>
+        </p:sp>
+        <p:sp>
+          <p:nvSpPr>
+            <p:cNvPr id="19" name="rc19"/>
+            <p:cNvSpPr/>
+            <p:nvPr/>
+          </p:nvSpPr>
+          <p:spPr>
+            <a:xfrm>
+              <a:off x="3006169" y="4411496"/>
+              <a:ext cx="616872" cy="705104"/>
+            </a:xfrm>
+            <a:prstGeom prst="rect">
+              <a:avLst/>
+            </a:prstGeom>
+            <a:solidFill>
+              <a:srgbClr val="FC9272">
+                <a:alpha val="100000"/>
+              </a:srgbClr>
+            </a:solidFill>
+          </p:spPr>
+          <p:txBody>
+            <a:bodyPr/>
+            <a:lstStyle/>
+            <a:p/>
+          </p:txBody>
+        </p:sp>
+        <p:sp>
+          <p:nvSpPr>
+            <p:cNvPr id="20" name="rc20"/>
+            <p:cNvSpPr/>
+            <p:nvPr/>
+          </p:nvSpPr>
+          <p:spPr>
+            <a:xfrm>
+              <a:off x="3691582" y="2069852"/>
+              <a:ext cx="616872" cy="3046748"/>
+            </a:xfrm>
+            <a:prstGeom prst="rect">
+              <a:avLst/>
+            </a:prstGeom>
+            <a:solidFill>
+              <a:srgbClr val="DE2D26">
+                <a:alpha val="100000"/>
+              </a:srgbClr>
+            </a:solidFill>
+          </p:spPr>
+          <p:txBody>
+            <a:bodyPr/>
+            <a:lstStyle/>
+            <a:p/>
+          </p:txBody>
+        </p:sp>
+        <p:sp>
+          <p:nvSpPr>
+            <p:cNvPr id="21" name="rc21"/>
+            <p:cNvSpPr/>
+            <p:nvPr/>
+          </p:nvSpPr>
+          <p:spPr>
+            <a:xfrm>
+              <a:off x="2217943" y="1809173"/>
+              <a:ext cx="2193323" cy="3464924"/>
+            </a:xfrm>
+            <a:prstGeom prst="rect">
+              <a:avLst/>
+            </a:prstGeom>
+            <a:ln w="13550" cap="rnd">
+              <a:solidFill>
+                <a:srgbClr val="333333">
+                  <a:alpha val="100000"/>
+                </a:srgbClr>
+              </a:solidFill>
+              <a:prstDash val="solid"/>
+              <a:round/>
+            </a:ln>
+          </p:spPr>
+          <p:txBody>
+            <a:bodyPr/>
+            <a:lstStyle/>
+            <a:p/>
+          </p:txBody>
+        </p:sp>
+        <p:sp>
+          <p:nvSpPr>
+            <p:cNvPr id="22" name="rc22"/>
+            <p:cNvSpPr/>
+            <p:nvPr/>
+          </p:nvSpPr>
+          <p:spPr>
+            <a:xfrm>
+              <a:off x="4480856" y="1809173"/>
+              <a:ext cx="2193323" cy="3464924"/>
+            </a:xfrm>
+            <a:prstGeom prst="rect">
+              <a:avLst/>
+            </a:prstGeom>
+            <a:solidFill>
+              <a:srgbClr val="FFFFFF">
+                <a:alpha val="100000"/>
+              </a:srgbClr>
+            </a:solidFill>
+          </p:spPr>
+          <p:txBody>
+            <a:bodyPr/>
+            <a:lstStyle/>
+            <a:p/>
+          </p:txBody>
+        </p:sp>
+        <p:sp>
+          <p:nvSpPr>
+            <p:cNvPr id="23" name="pl23"/>
+            <p:cNvSpPr/>
+            <p:nvPr/>
+          </p:nvSpPr>
+          <p:spPr>
+            <a:xfrm>
+              <a:off x="4480856" y="4733581"/>
+              <a:ext cx="2193323" cy="0"/>
+            </a:xfrm>
+            <a:custGeom>
+              <a:avLst/>
+              <a:pathLst>
+                <a:path w="2193323" h="0">
+                  <a:moveTo>
+                    <a:pt x="0" y="0"/>
+                  </a:moveTo>
+                  <a:lnTo>
+                    <a:pt x="2193323" y="0"/>
+                  </a:lnTo>
+                  <a:lnTo>
+                    <a:pt x="2193323" y="0"/>
+                  </a:lnTo>
+                </a:path>
+              </a:pathLst>
+            </a:custGeom>
+            <a:ln w="6775" cap="flat">
+              <a:solidFill>
+                <a:srgbClr val="EBEBEB">
+                  <a:alpha val="100000"/>
+                </a:srgbClr>
+              </a:solidFill>
+              <a:prstDash val="solid"/>
+              <a:round/>
+            </a:ln>
+          </p:spPr>
+          <p:txBody>
+            <a:bodyPr/>
+            <a:lstStyle/>
+            <a:p/>
+          </p:txBody>
+        </p:sp>
+        <p:sp>
+          <p:nvSpPr>
+            <p:cNvPr id="24" name="pl24"/>
+            <p:cNvSpPr/>
+            <p:nvPr/>
+          </p:nvSpPr>
+          <p:spPr>
+            <a:xfrm>
+              <a:off x="4480856" y="3967541"/>
+              <a:ext cx="2193323" cy="0"/>
+            </a:xfrm>
+            <a:custGeom>
+              <a:avLst/>
+              <a:pathLst>
+                <a:path w="2193323" h="0">
+                  <a:moveTo>
+                    <a:pt x="0" y="0"/>
+                  </a:moveTo>
+                  <a:lnTo>
+                    <a:pt x="2193323" y="0"/>
+                  </a:lnTo>
+                  <a:lnTo>
+                    <a:pt x="2193323" y="0"/>
+                  </a:lnTo>
+                </a:path>
+              </a:pathLst>
+            </a:custGeom>
+            <a:ln w="6775" cap="flat">
+              <a:solidFill>
+                <a:srgbClr val="EBEBEB">
+                  <a:alpha val="100000"/>
+                </a:srgbClr>
+              </a:solidFill>
+              <a:prstDash val="solid"/>
+              <a:round/>
+            </a:ln>
+          </p:spPr>
+          <p:txBody>
+            <a:bodyPr/>
+            <a:lstStyle/>
+            <a:p/>
+          </p:txBody>
+        </p:sp>
+        <p:sp>
+          <p:nvSpPr>
+            <p:cNvPr id="25" name="pl25"/>
+            <p:cNvSpPr/>
+            <p:nvPr/>
+          </p:nvSpPr>
+          <p:spPr>
+            <a:xfrm>
+              <a:off x="4480856" y="3201501"/>
+              <a:ext cx="2193323" cy="0"/>
+            </a:xfrm>
+            <a:custGeom>
+              <a:avLst/>
+              <a:pathLst>
+                <a:path w="2193323" h="0">
+                  <a:moveTo>
+                    <a:pt x="0" y="0"/>
+                  </a:moveTo>
+                  <a:lnTo>
+                    <a:pt x="2193323" y="0"/>
+                  </a:lnTo>
+                  <a:lnTo>
+                    <a:pt x="2193323" y="0"/>
+                  </a:lnTo>
+                </a:path>
+              </a:pathLst>
+            </a:custGeom>
+            <a:ln w="6775" cap="flat">
+              <a:solidFill>
+                <a:srgbClr val="EBEBEB">
+                  <a:alpha val="100000"/>
+                </a:srgbClr>
+              </a:solidFill>
+              <a:prstDash val="solid"/>
+              <a:round/>
+            </a:ln>
+          </p:spPr>
+          <p:txBody>
+            <a:bodyPr/>
+            <a:lstStyle/>
+            <a:p/>
+          </p:txBody>
+        </p:sp>
+        <p:sp>
+          <p:nvSpPr>
+            <p:cNvPr id="26" name="pl26"/>
+            <p:cNvSpPr/>
+            <p:nvPr/>
+          </p:nvSpPr>
+          <p:spPr>
+            <a:xfrm>
+              <a:off x="4480856" y="2435462"/>
+              <a:ext cx="2193323" cy="0"/>
+            </a:xfrm>
+            <a:custGeom>
+              <a:avLst/>
+              <a:pathLst>
+                <a:path w="2193323" h="0">
+                  <a:moveTo>
+                    <a:pt x="0" y="0"/>
+                  </a:moveTo>
+                  <a:lnTo>
+                    <a:pt x="2193323" y="0"/>
+                  </a:lnTo>
+                  <a:lnTo>
+                    <a:pt x="2193323" y="0"/>
+                  </a:lnTo>
+                </a:path>
+              </a:pathLst>
+            </a:custGeom>
+            <a:ln w="6775" cap="flat">
+              <a:solidFill>
+                <a:srgbClr val="EBEBEB">
+                  <a:alpha val="100000"/>
+                </a:srgbClr>
+              </a:solidFill>
+              <a:prstDash val="solid"/>
+              <a:round/>
+            </a:ln>
+          </p:spPr>
+          <p:txBody>
+            <a:bodyPr/>
+            <a:lstStyle/>
+            <a:p/>
+          </p:txBody>
+        </p:sp>
+        <p:sp>
+          <p:nvSpPr>
+            <p:cNvPr id="27" name="pl27"/>
+            <p:cNvSpPr/>
+            <p:nvPr/>
+          </p:nvSpPr>
+          <p:spPr>
+            <a:xfrm>
+              <a:off x="4480856" y="5116600"/>
+              <a:ext cx="2193323" cy="0"/>
+            </a:xfrm>
+            <a:custGeom>
+              <a:avLst/>
+              <a:pathLst>
+                <a:path w="2193323" h="0">
+                  <a:moveTo>
+                    <a:pt x="0" y="0"/>
+                  </a:moveTo>
+                  <a:lnTo>
+                    <a:pt x="2193323" y="0"/>
+                  </a:lnTo>
+                  <a:lnTo>
+                    <a:pt x="2193323" y="0"/>
+                  </a:lnTo>
+                </a:path>
+              </a:pathLst>
+            </a:custGeom>
+            <a:ln w="13550" cap="flat">
+              <a:solidFill>
+                <a:srgbClr val="EBEBEB">
+                  <a:alpha val="100000"/>
+                </a:srgbClr>
+              </a:solidFill>
+              <a:prstDash val="solid"/>
+              <a:round/>
+            </a:ln>
+          </p:spPr>
+          <p:txBody>
+            <a:bodyPr/>
+            <a:lstStyle/>
+            <a:p/>
+          </p:txBody>
+        </p:sp>
+        <p:sp>
+          <p:nvSpPr>
+            <p:cNvPr id="28" name="pl28"/>
+            <p:cNvSpPr/>
+            <p:nvPr/>
+          </p:nvSpPr>
+          <p:spPr>
+            <a:xfrm>
+              <a:off x="4480856" y="4350561"/>
+              <a:ext cx="2193323" cy="0"/>
+            </a:xfrm>
+            <a:custGeom>
+              <a:avLst/>
+              <a:pathLst>
+                <a:path w="2193323" h="0">
+                  <a:moveTo>
+                    <a:pt x="0" y="0"/>
+                  </a:moveTo>
+                  <a:lnTo>
+                    <a:pt x="2193323" y="0"/>
+                  </a:lnTo>
+                  <a:lnTo>
+                    <a:pt x="2193323" y="0"/>
+                  </a:lnTo>
+                </a:path>
+              </a:pathLst>
+            </a:custGeom>
+            <a:ln w="13550" cap="flat">
+              <a:solidFill>
+                <a:srgbClr val="EBEBEB">
+                  <a:alpha val="100000"/>
+                </a:srgbClr>
+              </a:solidFill>
+              <a:prstDash val="solid"/>
+              <a:round/>
+            </a:ln>
+          </p:spPr>
+          <p:txBody>
+            <a:bodyPr/>
+            <a:lstStyle/>
+            <a:p/>
+          </p:txBody>
+        </p:sp>
+        <p:sp>
+          <p:nvSpPr>
+            <p:cNvPr id="29" name="pl29"/>
+            <p:cNvSpPr/>
+            <p:nvPr/>
+          </p:nvSpPr>
+          <p:spPr>
+            <a:xfrm>
+              <a:off x="4480856" y="3584521"/>
+              <a:ext cx="2193323" cy="0"/>
+            </a:xfrm>
+            <a:custGeom>
+              <a:avLst/>
+              <a:pathLst>
+                <a:path w="2193323" h="0">
+                  <a:moveTo>
+                    <a:pt x="0" y="0"/>
+                  </a:moveTo>
+                  <a:lnTo>
+                    <a:pt x="2193323" y="0"/>
+                  </a:lnTo>
+                  <a:lnTo>
+                    <a:pt x="2193323" y="0"/>
+                  </a:lnTo>
+                </a:path>
+              </a:pathLst>
+            </a:custGeom>
+            <a:ln w="13550" cap="flat">
+              <a:solidFill>
+                <a:srgbClr val="EBEBEB">
+                  <a:alpha val="100000"/>
+                </a:srgbClr>
+              </a:solidFill>
+              <a:prstDash val="solid"/>
+              <a:round/>
+            </a:ln>
+          </p:spPr>
+          <p:txBody>
+            <a:bodyPr/>
+            <a:lstStyle/>
+            <a:p/>
+          </p:txBody>
+        </p:sp>
+        <p:sp>
+          <p:nvSpPr>
+            <p:cNvPr id="30" name="pl30"/>
+            <p:cNvSpPr/>
+            <p:nvPr/>
+          </p:nvSpPr>
+          <p:spPr>
+            <a:xfrm>
+              <a:off x="4480856" y="2818482"/>
+              <a:ext cx="2193323" cy="0"/>
+            </a:xfrm>
+            <a:custGeom>
+              <a:avLst/>
+              <a:pathLst>
+                <a:path w="2193323" h="0">
+                  <a:moveTo>
+                    <a:pt x="0" y="0"/>
+                  </a:moveTo>
+                  <a:lnTo>
+                    <a:pt x="2193323" y="0"/>
+                  </a:lnTo>
+                  <a:lnTo>
+                    <a:pt x="2193323" y="0"/>
+                  </a:lnTo>
+                </a:path>
+              </a:pathLst>
+            </a:custGeom>
+            <a:ln w="13550" cap="flat">
+              <a:solidFill>
+                <a:srgbClr val="EBEBEB">
+                  <a:alpha val="100000"/>
+                </a:srgbClr>
+              </a:solidFill>
+              <a:prstDash val="solid"/>
+              <a:round/>
+            </a:ln>
+          </p:spPr>
+          <p:txBody>
+            <a:bodyPr/>
+            <a:lstStyle/>
+            <a:p/>
+          </p:txBody>
+        </p:sp>
+        <p:sp>
+          <p:nvSpPr>
+            <p:cNvPr id="31" name="pl31"/>
+            <p:cNvSpPr/>
+            <p:nvPr/>
+          </p:nvSpPr>
+          <p:spPr>
+            <a:xfrm>
+              <a:off x="4480856" y="2052442"/>
+              <a:ext cx="2193323" cy="0"/>
+            </a:xfrm>
+            <a:custGeom>
+              <a:avLst/>
+              <a:pathLst>
+                <a:path w="2193323" h="0">
+                  <a:moveTo>
+                    <a:pt x="0" y="0"/>
+                  </a:moveTo>
+                  <a:lnTo>
+                    <a:pt x="2193323" y="0"/>
+                  </a:lnTo>
+                  <a:lnTo>
+                    <a:pt x="2193323" y="0"/>
+                  </a:lnTo>
+                </a:path>
+              </a:pathLst>
+            </a:custGeom>
+            <a:ln w="13550" cap="flat">
+              <a:solidFill>
+                <a:srgbClr val="EBEBEB">
+                  <a:alpha val="100000"/>
+                </a:srgbClr>
+              </a:solidFill>
+              <a:prstDash val="solid"/>
+              <a:round/>
+            </a:ln>
+          </p:spPr>
+          <p:txBody>
+            <a:bodyPr/>
+            <a:lstStyle/>
+            <a:p/>
+          </p:txBody>
+        </p:sp>
+        <p:sp>
+          <p:nvSpPr>
+            <p:cNvPr id="32" name="pl32"/>
+            <p:cNvSpPr/>
+            <p:nvPr/>
+          </p:nvSpPr>
+          <p:spPr>
+            <a:xfrm>
+              <a:off x="4892104" y="1809173"/>
+              <a:ext cx="0" cy="3464924"/>
+            </a:xfrm>
+            <a:custGeom>
+              <a:avLst/>
+              <a:pathLst>
+                <a:path w="0" h="3464924">
+                  <a:moveTo>
+                    <a:pt x="0" y="3464924"/>
+                  </a:moveTo>
+                  <a:lnTo>
+                    <a:pt x="0" y="0"/>
+                  </a:lnTo>
+                  <a:lnTo>
+                    <a:pt x="0" y="0"/>
+                  </a:lnTo>
+                </a:path>
+              </a:pathLst>
+            </a:custGeom>
+            <a:ln w="13550" cap="flat">
+              <a:solidFill>
+                <a:srgbClr val="EBEBEB">
+                  <a:alpha val="100000"/>
+                </a:srgbClr>
+              </a:solidFill>
+              <a:prstDash val="solid"/>
+              <a:round/>
+            </a:ln>
+          </p:spPr>
+          <p:txBody>
+            <a:bodyPr/>
+            <a:lstStyle/>
+            <a:p/>
+          </p:txBody>
+        </p:sp>
+        <p:sp>
+          <p:nvSpPr>
+            <p:cNvPr id="33" name="pl33"/>
+            <p:cNvSpPr/>
+            <p:nvPr/>
+          </p:nvSpPr>
+          <p:spPr>
+            <a:xfrm>
+              <a:off x="5577518" y="1809173"/>
+              <a:ext cx="0" cy="3464924"/>
+            </a:xfrm>
+            <a:custGeom>
+              <a:avLst/>
+              <a:pathLst>
+                <a:path w="0" h="3464924">
+                  <a:moveTo>
+                    <a:pt x="0" y="3464924"/>
+                  </a:moveTo>
+                  <a:lnTo>
+                    <a:pt x="0" y="0"/>
+                  </a:lnTo>
+                  <a:lnTo>
+                    <a:pt x="0" y="0"/>
+                  </a:lnTo>
+                </a:path>
+              </a:pathLst>
+            </a:custGeom>
+            <a:ln w="13550" cap="flat">
+              <a:solidFill>
+                <a:srgbClr val="EBEBEB">
+                  <a:alpha val="100000"/>
+                </a:srgbClr>
+              </a:solidFill>
+              <a:prstDash val="solid"/>
+              <a:round/>
+            </a:ln>
+          </p:spPr>
+          <p:txBody>
+            <a:bodyPr/>
+            <a:lstStyle/>
+            <a:p/>
+          </p:txBody>
+        </p:sp>
+        <p:sp>
+          <p:nvSpPr>
+            <p:cNvPr id="34" name="pl34"/>
+            <p:cNvSpPr/>
+            <p:nvPr/>
+          </p:nvSpPr>
+          <p:spPr>
+            <a:xfrm>
+              <a:off x="6262931" y="1809173"/>
+              <a:ext cx="0" cy="3464924"/>
+            </a:xfrm>
+            <a:custGeom>
+              <a:avLst/>
+              <a:pathLst>
+                <a:path w="0" h="3464924">
+                  <a:moveTo>
+                    <a:pt x="0" y="3464924"/>
+                  </a:moveTo>
+                  <a:lnTo>
+                    <a:pt x="0" y="0"/>
+                  </a:lnTo>
+                  <a:lnTo>
+                    <a:pt x="0" y="0"/>
+                  </a:lnTo>
+                </a:path>
+              </a:pathLst>
+            </a:custGeom>
+            <a:ln w="13550" cap="flat">
+              <a:solidFill>
+                <a:srgbClr val="EBEBEB">
+                  <a:alpha val="100000"/>
+                </a:srgbClr>
+              </a:solidFill>
+              <a:prstDash val="solid"/>
+              <a:round/>
+            </a:ln>
+          </p:spPr>
+          <p:txBody>
+            <a:bodyPr/>
+            <a:lstStyle/>
+            <a:p/>
+          </p:txBody>
+        </p:sp>
+        <p:sp>
+          <p:nvSpPr>
+            <p:cNvPr id="35" name="rc35"/>
+            <p:cNvSpPr/>
+            <p:nvPr/>
+          </p:nvSpPr>
+          <p:spPr>
+            <a:xfrm>
+              <a:off x="4583668" y="5042658"/>
+              <a:ext cx="616872" cy="73942"/>
+            </a:xfrm>
+            <a:prstGeom prst="rect">
+              <a:avLst/>
+            </a:prstGeom>
+            <a:solidFill>
+              <a:srgbClr val="FEE0D2">
+                <a:alpha val="100000"/>
+              </a:srgbClr>
+            </a:solidFill>
+          </p:spPr>
+          <p:txBody>
+            <a:bodyPr/>
+            <a:lstStyle/>
+            <a:p/>
+          </p:txBody>
+        </p:sp>
+        <p:sp>
+          <p:nvSpPr>
+            <p:cNvPr id="36" name="rc36"/>
+            <p:cNvSpPr/>
+            <p:nvPr/>
+          </p:nvSpPr>
+          <p:spPr>
+            <a:xfrm>
+              <a:off x="5269081" y="4510276"/>
+              <a:ext cx="616872" cy="606324"/>
+            </a:xfrm>
+            <a:prstGeom prst="rect">
+              <a:avLst/>
+            </a:prstGeom>
+            <a:solidFill>
+              <a:srgbClr val="FC9272">
+                <a:alpha val="100000"/>
+              </a:srgbClr>
+            </a:solidFill>
+          </p:spPr>
+          <p:txBody>
+            <a:bodyPr/>
+            <a:lstStyle/>
+            <a:p/>
+          </p:txBody>
+        </p:sp>
+        <p:sp>
+          <p:nvSpPr>
+            <p:cNvPr id="37" name="rc37"/>
+            <p:cNvSpPr/>
+            <p:nvPr/>
+          </p:nvSpPr>
+          <p:spPr>
+            <a:xfrm>
+              <a:off x="5954495" y="1966669"/>
+              <a:ext cx="616872" cy="3149931"/>
+            </a:xfrm>
+            <a:prstGeom prst="rect">
+              <a:avLst/>
+            </a:prstGeom>
+            <a:solidFill>
+              <a:srgbClr val="DE2D26">
+                <a:alpha val="100000"/>
+              </a:srgbClr>
+            </a:solidFill>
+          </p:spPr>
+          <p:txBody>
+            <a:bodyPr/>
+            <a:lstStyle/>
+            <a:p/>
+          </p:txBody>
+        </p:sp>
+        <p:sp>
+          <p:nvSpPr>
+            <p:cNvPr id="38" name="rc38"/>
+            <p:cNvSpPr/>
+            <p:nvPr/>
+          </p:nvSpPr>
+          <p:spPr>
+            <a:xfrm>
+              <a:off x="4480856" y="1809173"/>
+              <a:ext cx="2193323" cy="3464924"/>
+            </a:xfrm>
+            <a:prstGeom prst="rect">
+              <a:avLst/>
+            </a:prstGeom>
+            <a:ln w="13550" cap="rnd">
+              <a:solidFill>
+                <a:srgbClr val="333333">
+                  <a:alpha val="100000"/>
+                </a:srgbClr>
+              </a:solidFill>
+              <a:prstDash val="solid"/>
+              <a:round/>
+            </a:ln>
+          </p:spPr>
+          <p:txBody>
+            <a:bodyPr/>
+            <a:lstStyle/>
+            <a:p/>
+          </p:txBody>
+        </p:sp>
+        <p:sp>
+          <p:nvSpPr>
+            <p:cNvPr id="39" name="rc39"/>
+            <p:cNvSpPr/>
+            <p:nvPr/>
+          </p:nvSpPr>
+          <p:spPr>
+            <a:xfrm>
+              <a:off x="6743768" y="1809173"/>
+              <a:ext cx="2193323" cy="3464924"/>
+            </a:xfrm>
+            <a:prstGeom prst="rect">
+              <a:avLst/>
+            </a:prstGeom>
+            <a:solidFill>
+              <a:srgbClr val="FFFFFF">
+                <a:alpha val="100000"/>
+              </a:srgbClr>
+            </a:solidFill>
+          </p:spPr>
+          <p:txBody>
+            <a:bodyPr/>
+            <a:lstStyle/>
+            <a:p/>
+          </p:txBody>
+        </p:sp>
+        <p:sp>
+          <p:nvSpPr>
+            <p:cNvPr id="40" name="pl40"/>
+            <p:cNvSpPr/>
+            <p:nvPr/>
+          </p:nvSpPr>
+          <p:spPr>
+            <a:xfrm>
+              <a:off x="6743768" y="4733581"/>
+              <a:ext cx="2193323" cy="0"/>
+            </a:xfrm>
+            <a:custGeom>
+              <a:avLst/>
+              <a:pathLst>
+                <a:path w="2193323" h="0">
+                  <a:moveTo>
+                    <a:pt x="0" y="0"/>
+                  </a:moveTo>
+                  <a:lnTo>
+                    <a:pt x="2193323" y="0"/>
+                  </a:lnTo>
+                  <a:lnTo>
+                    <a:pt x="2193323" y="0"/>
+                  </a:lnTo>
+                </a:path>
+              </a:pathLst>
+            </a:custGeom>
+            <a:ln w="6775" cap="flat">
+              <a:solidFill>
+                <a:srgbClr val="EBEBEB">
+                  <a:alpha val="100000"/>
+                </a:srgbClr>
+              </a:solidFill>
+              <a:prstDash val="solid"/>
+              <a:round/>
+            </a:ln>
+          </p:spPr>
+          <p:txBody>
+            <a:bodyPr/>
+            <a:lstStyle/>
+            <a:p/>
+          </p:txBody>
+        </p:sp>
+        <p:sp>
+          <p:nvSpPr>
+            <p:cNvPr id="41" name="pl41"/>
+            <p:cNvSpPr/>
+            <p:nvPr/>
+          </p:nvSpPr>
+          <p:spPr>
+            <a:xfrm>
+              <a:off x="6743768" y="3967541"/>
+              <a:ext cx="2193323" cy="0"/>
+            </a:xfrm>
+            <a:custGeom>
+              <a:avLst/>
+              <a:pathLst>
+                <a:path w="2193323" h="0">
+                  <a:moveTo>
+                    <a:pt x="0" y="0"/>
+                  </a:moveTo>
+                  <a:lnTo>
+                    <a:pt x="2193323" y="0"/>
+                  </a:lnTo>
+                  <a:lnTo>
+                    <a:pt x="2193323" y="0"/>
+                  </a:lnTo>
+                </a:path>
+              </a:pathLst>
+            </a:custGeom>
+            <a:ln w="6775" cap="flat">
+              <a:solidFill>
+                <a:srgbClr val="EBEBEB">
+                  <a:alpha val="100000"/>
+                </a:srgbClr>
+              </a:solidFill>
+              <a:prstDash val="solid"/>
+              <a:round/>
+            </a:ln>
+          </p:spPr>
+          <p:txBody>
+            <a:bodyPr/>
+            <a:lstStyle/>
+            <a:p/>
+          </p:txBody>
+        </p:sp>
+        <p:sp>
+          <p:nvSpPr>
+            <p:cNvPr id="42" name="pl42"/>
+            <p:cNvSpPr/>
+            <p:nvPr/>
+          </p:nvSpPr>
+          <p:spPr>
+            <a:xfrm>
+              <a:off x="6743768" y="3201501"/>
+              <a:ext cx="2193323" cy="0"/>
+            </a:xfrm>
+            <a:custGeom>
+              <a:avLst/>
+              <a:pathLst>
+                <a:path w="2193323" h="0">
+                  <a:moveTo>
+                    <a:pt x="0" y="0"/>
+                  </a:moveTo>
+                  <a:lnTo>
+                    <a:pt x="2193323" y="0"/>
+                  </a:lnTo>
+                  <a:lnTo>
+                    <a:pt x="2193323" y="0"/>
+                  </a:lnTo>
+                </a:path>
+              </a:pathLst>
+            </a:custGeom>
+            <a:ln w="6775" cap="flat">
+              <a:solidFill>
+                <a:srgbClr val="EBEBEB">
+                  <a:alpha val="100000"/>
+                </a:srgbClr>
+              </a:solidFill>
+              <a:prstDash val="solid"/>
+              <a:round/>
+            </a:ln>
+          </p:spPr>
+          <p:txBody>
+            <a:bodyPr/>
+            <a:lstStyle/>
+            <a:p/>
+          </p:txBody>
+        </p:sp>
+        <p:sp>
+          <p:nvSpPr>
+            <p:cNvPr id="43" name="pl43"/>
+            <p:cNvSpPr/>
+            <p:nvPr/>
+          </p:nvSpPr>
+          <p:spPr>
+            <a:xfrm>
+              <a:off x="6743768" y="2435462"/>
+              <a:ext cx="2193323" cy="0"/>
+            </a:xfrm>
+            <a:custGeom>
+              <a:avLst/>
+              <a:pathLst>
+                <a:path w="2193323" h="0">
+                  <a:moveTo>
+                    <a:pt x="0" y="0"/>
+                  </a:moveTo>
+                  <a:lnTo>
+                    <a:pt x="2193323" y="0"/>
+                  </a:lnTo>
+                  <a:lnTo>
+                    <a:pt x="2193323" y="0"/>
+                  </a:lnTo>
+                </a:path>
+              </a:pathLst>
+            </a:custGeom>
+            <a:ln w="6775" cap="flat">
+              <a:solidFill>
+                <a:srgbClr val="EBEBEB">
+                  <a:alpha val="100000"/>
+                </a:srgbClr>
+              </a:solidFill>
+              <a:prstDash val="solid"/>
+              <a:round/>
+            </a:ln>
+          </p:spPr>
+          <p:txBody>
+            <a:bodyPr/>
+            <a:lstStyle/>
+            <a:p/>
+          </p:txBody>
+        </p:sp>
+        <p:sp>
+          <p:nvSpPr>
+            <p:cNvPr id="44" name="pl44"/>
+            <p:cNvSpPr/>
+            <p:nvPr/>
+          </p:nvSpPr>
+          <p:spPr>
+            <a:xfrm>
+              <a:off x="6743768" y="5116600"/>
+              <a:ext cx="2193323" cy="0"/>
+            </a:xfrm>
+            <a:custGeom>
+              <a:avLst/>
+              <a:pathLst>
+                <a:path w="2193323" h="0">
+                  <a:moveTo>
+                    <a:pt x="0" y="0"/>
+                  </a:moveTo>
+                  <a:lnTo>
+                    <a:pt x="2193323" y="0"/>
+                  </a:lnTo>
+                  <a:lnTo>
+                    <a:pt x="2193323" y="0"/>
+                  </a:lnTo>
+                </a:path>
+              </a:pathLst>
+            </a:custGeom>
+            <a:ln w="13550" cap="flat">
+              <a:solidFill>
+                <a:srgbClr val="EBEBEB">
+                  <a:alpha val="100000"/>
+                </a:srgbClr>
+              </a:solidFill>
+              <a:prstDash val="solid"/>
+              <a:round/>
+            </a:ln>
+          </p:spPr>
+          <p:txBody>
+            <a:bodyPr/>
+            <a:lstStyle/>
+            <a:p/>
+          </p:txBody>
+        </p:sp>
+        <p:sp>
+          <p:nvSpPr>
+            <p:cNvPr id="45" name="pl45"/>
+            <p:cNvSpPr/>
+            <p:nvPr/>
+          </p:nvSpPr>
+          <p:spPr>
+            <a:xfrm>
+              <a:off x="6743768" y="4350561"/>
+              <a:ext cx="2193323" cy="0"/>
+            </a:xfrm>
+            <a:custGeom>
+              <a:avLst/>
+              <a:pathLst>
+                <a:path w="2193323" h="0">
+                  <a:moveTo>
+                    <a:pt x="0" y="0"/>
+                  </a:moveTo>
+                  <a:lnTo>
+                    <a:pt x="2193323" y="0"/>
+                  </a:lnTo>
+                  <a:lnTo>
+                    <a:pt x="2193323" y="0"/>
+                  </a:lnTo>
+                </a:path>
+              </a:pathLst>
+            </a:custGeom>
+            <a:ln w="13550" cap="flat">
+              <a:solidFill>
+                <a:srgbClr val="EBEBEB">
+                  <a:alpha val="100000"/>
+                </a:srgbClr>
+              </a:solidFill>
+              <a:prstDash val="solid"/>
+              <a:round/>
+            </a:ln>
+          </p:spPr>
+          <p:txBody>
+            <a:bodyPr/>
+            <a:lstStyle/>
+            <a:p/>
+          </p:txBody>
+        </p:sp>
+        <p:sp>
+          <p:nvSpPr>
+            <p:cNvPr id="46" name="pl46"/>
+            <p:cNvSpPr/>
+            <p:nvPr/>
+          </p:nvSpPr>
+          <p:spPr>
+            <a:xfrm>
+              <a:off x="6743768" y="3584521"/>
+              <a:ext cx="2193323" cy="0"/>
+            </a:xfrm>
+            <a:custGeom>
+              <a:avLst/>
+              <a:pathLst>
+                <a:path w="2193323" h="0">
+                  <a:moveTo>
+                    <a:pt x="0" y="0"/>
+                  </a:moveTo>
+                  <a:lnTo>
+                    <a:pt x="2193323" y="0"/>
+                  </a:lnTo>
+                  <a:lnTo>
+                    <a:pt x="2193323" y="0"/>
+                  </a:lnTo>
+                </a:path>
+              </a:pathLst>
+            </a:custGeom>
+            <a:ln w="13550" cap="flat">
+              <a:solidFill>
+                <a:srgbClr val="EBEBEB">
+                  <a:alpha val="100000"/>
+                </a:srgbClr>
+              </a:solidFill>
+              <a:prstDash val="solid"/>
+              <a:round/>
+            </a:ln>
+          </p:spPr>
+          <p:txBody>
+            <a:bodyPr/>
+            <a:lstStyle/>
+            <a:p/>
+          </p:txBody>
+        </p:sp>
+        <p:sp>
+          <p:nvSpPr>
+            <p:cNvPr id="47" name="pl47"/>
+            <p:cNvSpPr/>
+            <p:nvPr/>
+          </p:nvSpPr>
+          <p:spPr>
+            <a:xfrm>
+              <a:off x="6743768" y="2818482"/>
+              <a:ext cx="2193323" cy="0"/>
+            </a:xfrm>
+            <a:custGeom>
+              <a:avLst/>
+              <a:pathLst>
+                <a:path w="2193323" h="0">
+                  <a:moveTo>
+                    <a:pt x="0" y="0"/>
+                  </a:moveTo>
+                  <a:lnTo>
+                    <a:pt x="2193323" y="0"/>
+                  </a:lnTo>
+                  <a:lnTo>
+                    <a:pt x="2193323" y="0"/>
+                  </a:lnTo>
+                </a:path>
+              </a:pathLst>
+            </a:custGeom>
+            <a:ln w="13550" cap="flat">
+              <a:solidFill>
+                <a:srgbClr val="EBEBEB">
+                  <a:alpha val="100000"/>
+                </a:srgbClr>
+              </a:solidFill>
+              <a:prstDash val="solid"/>
+              <a:round/>
+            </a:ln>
+          </p:spPr>
+          <p:txBody>
+            <a:bodyPr/>
+            <a:lstStyle/>
+            <a:p/>
+          </p:txBody>
+        </p:sp>
+        <p:sp>
+          <p:nvSpPr>
+            <p:cNvPr id="48" name="pl48"/>
+            <p:cNvSpPr/>
+            <p:nvPr/>
+          </p:nvSpPr>
+          <p:spPr>
+            <a:xfrm>
+              <a:off x="6743768" y="2052442"/>
+              <a:ext cx="2193323" cy="0"/>
+            </a:xfrm>
+            <a:custGeom>
+              <a:avLst/>
+              <a:pathLst>
+                <a:path w="2193323" h="0">
+                  <a:moveTo>
+                    <a:pt x="0" y="0"/>
+                  </a:moveTo>
+                  <a:lnTo>
+                    <a:pt x="2193323" y="0"/>
+                  </a:lnTo>
+                  <a:lnTo>
+                    <a:pt x="2193323" y="0"/>
+                  </a:lnTo>
+                </a:path>
+              </a:pathLst>
+            </a:custGeom>
+            <a:ln w="13550" cap="flat">
+              <a:solidFill>
+                <a:srgbClr val="EBEBEB">
+                  <a:alpha val="100000"/>
+                </a:srgbClr>
+              </a:solidFill>
+              <a:prstDash val="solid"/>
+              <a:round/>
+            </a:ln>
+          </p:spPr>
+          <p:txBody>
+            <a:bodyPr/>
+            <a:lstStyle/>
+            <a:p/>
+          </p:txBody>
+        </p:sp>
+        <p:sp>
+          <p:nvSpPr>
+            <p:cNvPr id="49" name="pl49"/>
+            <p:cNvSpPr/>
+            <p:nvPr/>
+          </p:nvSpPr>
+          <p:spPr>
+            <a:xfrm>
+              <a:off x="7155017" y="1809173"/>
+              <a:ext cx="0" cy="3464924"/>
+            </a:xfrm>
+            <a:custGeom>
+              <a:avLst/>
+              <a:pathLst>
+                <a:path w="0" h="3464924">
+                  <a:moveTo>
+                    <a:pt x="0" y="3464924"/>
+                  </a:moveTo>
+                  <a:lnTo>
+                    <a:pt x="0" y="0"/>
+                  </a:lnTo>
+                  <a:lnTo>
+                    <a:pt x="0" y="0"/>
+                  </a:lnTo>
+                </a:path>
+              </a:pathLst>
+            </a:custGeom>
+            <a:ln w="13550" cap="flat">
+              <a:solidFill>
+                <a:srgbClr val="EBEBEB">
+                  <a:alpha val="100000"/>
+                </a:srgbClr>
+              </a:solidFill>
+              <a:prstDash val="solid"/>
+              <a:round/>
+            </a:ln>
+          </p:spPr>
+          <p:txBody>
+            <a:bodyPr/>
+            <a:lstStyle/>
+            <a:p/>
+          </p:txBody>
+        </p:sp>
+        <p:sp>
+          <p:nvSpPr>
+            <p:cNvPr id="50" name="pl50"/>
+            <p:cNvSpPr/>
+            <p:nvPr/>
+          </p:nvSpPr>
+          <p:spPr>
+            <a:xfrm>
+              <a:off x="7840430" y="1809173"/>
+              <a:ext cx="0" cy="3464924"/>
+            </a:xfrm>
+            <a:custGeom>
+              <a:avLst/>
+              <a:pathLst>
+                <a:path w="0" h="3464924">
+                  <a:moveTo>
+                    <a:pt x="0" y="3464924"/>
+                  </a:moveTo>
+                  <a:lnTo>
+                    <a:pt x="0" y="0"/>
+                  </a:lnTo>
+                  <a:lnTo>
+                    <a:pt x="0" y="0"/>
+                  </a:lnTo>
+                </a:path>
+              </a:pathLst>
+            </a:custGeom>
+            <a:ln w="13550" cap="flat">
+              <a:solidFill>
+                <a:srgbClr val="EBEBEB">
+                  <a:alpha val="100000"/>
+                </a:srgbClr>
+              </a:solidFill>
+              <a:prstDash val="solid"/>
+              <a:round/>
+            </a:ln>
+          </p:spPr>
+          <p:txBody>
+            <a:bodyPr/>
+            <a:lstStyle/>
+            <a:p/>
+          </p:txBody>
+        </p:sp>
+        <p:sp>
+          <p:nvSpPr>
+            <p:cNvPr id="51" name="pl51"/>
+            <p:cNvSpPr/>
+            <p:nvPr/>
+          </p:nvSpPr>
+          <p:spPr>
+            <a:xfrm>
+              <a:off x="8525844" y="1809173"/>
+              <a:ext cx="0" cy="3464924"/>
+            </a:xfrm>
+            <a:custGeom>
+              <a:avLst/>
+              <a:pathLst>
+                <a:path w="0" h="3464924">
+                  <a:moveTo>
+                    <a:pt x="0" y="3464924"/>
+                  </a:moveTo>
+                  <a:lnTo>
+                    <a:pt x="0" y="0"/>
+                  </a:lnTo>
+                  <a:lnTo>
+                    <a:pt x="0" y="0"/>
+                  </a:lnTo>
+                </a:path>
+              </a:pathLst>
+            </a:custGeom>
+            <a:ln w="13550" cap="flat">
+              <a:solidFill>
+                <a:srgbClr val="EBEBEB">
+                  <a:alpha val="100000"/>
+                </a:srgbClr>
+              </a:solidFill>
+              <a:prstDash val="solid"/>
+              <a:round/>
+            </a:ln>
+          </p:spPr>
+          <p:txBody>
+            <a:bodyPr/>
+            <a:lstStyle/>
+            <a:p/>
+          </p:txBody>
+        </p:sp>
+        <p:sp>
+          <p:nvSpPr>
+            <p:cNvPr id="52" name="rc52"/>
+            <p:cNvSpPr/>
+            <p:nvPr/>
+          </p:nvSpPr>
+          <p:spPr>
+            <a:xfrm>
+              <a:off x="6846580" y="5042943"/>
+              <a:ext cx="616872" cy="73657"/>
+            </a:xfrm>
+            <a:prstGeom prst="rect">
+              <a:avLst/>
+            </a:prstGeom>
+            <a:solidFill>
+              <a:srgbClr val="FEE0D2">
+                <a:alpha val="100000"/>
+              </a:srgbClr>
+            </a:solidFill>
+          </p:spPr>
+          <p:txBody>
+            <a:bodyPr/>
+            <a:lstStyle/>
+            <a:p/>
+          </p:txBody>
+        </p:sp>
+        <p:sp>
+          <p:nvSpPr>
+            <p:cNvPr id="53" name="rc53"/>
+            <p:cNvSpPr/>
+            <p:nvPr/>
+          </p:nvSpPr>
+          <p:spPr>
+            <a:xfrm>
+              <a:off x="7531994" y="4330919"/>
+              <a:ext cx="616872" cy="785681"/>
+            </a:xfrm>
+            <a:prstGeom prst="rect">
+              <a:avLst/>
+            </a:prstGeom>
+            <a:solidFill>
+              <a:srgbClr val="FC9272">
+                <a:alpha val="100000"/>
+              </a:srgbClr>
+            </a:solidFill>
+          </p:spPr>
+          <p:txBody>
+            <a:bodyPr/>
+            <a:lstStyle/>
+            <a:p/>
+          </p:txBody>
+        </p:sp>
+        <p:sp>
+          <p:nvSpPr>
+            <p:cNvPr id="54" name="rc54"/>
+            <p:cNvSpPr/>
+            <p:nvPr/>
+          </p:nvSpPr>
+          <p:spPr>
+            <a:xfrm>
+              <a:off x="8217408" y="2145742"/>
+              <a:ext cx="616872" cy="2970858"/>
+            </a:xfrm>
+            <a:prstGeom prst="rect">
+              <a:avLst/>
+            </a:prstGeom>
+            <a:solidFill>
+              <a:srgbClr val="DE2D26">
+                <a:alpha val="100000"/>
+              </a:srgbClr>
+            </a:solidFill>
+          </p:spPr>
+          <p:txBody>
+            <a:bodyPr/>
+            <a:lstStyle/>
+            <a:p/>
+          </p:txBody>
+        </p:sp>
+        <p:sp>
+          <p:nvSpPr>
+            <p:cNvPr id="55" name="rc55"/>
+            <p:cNvSpPr/>
+            <p:nvPr/>
+          </p:nvSpPr>
+          <p:spPr>
+            <a:xfrm>
+              <a:off x="6743768" y="1809173"/>
+              <a:ext cx="2193323" cy="3464924"/>
+            </a:xfrm>
+            <a:prstGeom prst="rect">
+              <a:avLst/>
+            </a:prstGeom>
+            <a:ln w="13550" cap="rnd">
+              <a:solidFill>
+                <a:srgbClr val="333333">
+                  <a:alpha val="100000"/>
+                </a:srgbClr>
+              </a:solidFill>
+              <a:prstDash val="solid"/>
+              <a:round/>
+            </a:ln>
+          </p:spPr>
+          <p:txBody>
+            <a:bodyPr/>
+            <a:lstStyle/>
+            <a:p/>
+          </p:txBody>
+        </p:sp>
+        <p:sp>
+          <p:nvSpPr>
+            <p:cNvPr id="56" name="rc56"/>
+            <p:cNvSpPr/>
+            <p:nvPr/>
+          </p:nvSpPr>
+          <p:spPr>
+            <a:xfrm>
+              <a:off x="2217943" y="1590617"/>
+              <a:ext cx="2193323" cy="218555"/>
+            </a:xfrm>
+            <a:prstGeom prst="rect">
+              <a:avLst/>
+            </a:prstGeom>
+            <a:solidFill>
+              <a:srgbClr val="D9D9D9">
+                <a:alpha val="100000"/>
+              </a:srgbClr>
+            </a:solidFill>
+            <a:ln w="13550" cap="rnd">
+              <a:solidFill>
+                <a:srgbClr val="333333">
+                  <a:alpha val="100000"/>
+                </a:srgbClr>
+              </a:solidFill>
+              <a:prstDash val="solid"/>
+              <a:round/>
+            </a:ln>
+          </p:spPr>
+          <p:txBody>
+            <a:bodyPr/>
+            <a:lstStyle/>
+            <a:p/>
+          </p:txBody>
+        </p:sp>
+        <p:sp>
+          <p:nvSpPr>
+            <p:cNvPr id="57" name="tx57"/>
+            <p:cNvSpPr/>
+            <p:nvPr/>
+          </p:nvSpPr>
+          <p:spPr>
+            <a:xfrm>
+              <a:off x="3105055" y="1670045"/>
+              <a:ext cx="419100" cy="69850"/>
             </a:xfrm>
             <a:prstGeom prst="rect">
               <a:avLst/>
@@ -4105,30 +5201,65 @@
                 </a:spcAft>
               </a:pPr>
               <a:r>
-                <a:rPr sz="880" b="1">
+                <a:rPr sz="880">
                   <a:solidFill>
-                    <a:srgbClr val="4D4D4D">
+                    <a:srgbClr val="1A1A1A">
                       <a:alpha val="100000"/>
                     </a:srgbClr>
                   </a:solidFill>
                   <a:latin typeface="Arial"/>
                   <a:cs typeface="Arial"/>
                 </a:rPr>
-                <a:t>5</a:t>
+                <a:t>基础研究者</a:t>
               </a:r>
             </a:p>
           </p:txBody>
         </p:sp>
         <p:sp>
           <p:nvSpPr>
-            <p:cNvPr id="29" name="tx29"/>
-            <p:cNvSpPr/>
-            <p:nvPr/>
-          </p:nvSpPr>
-          <p:spPr>
-            <a:xfrm>
-              <a:off x="1926599" y="4352966"/>
-              <a:ext cx="62155" cy="80327"/>
+            <p:cNvPr id="58" name="rc58"/>
+            <p:cNvSpPr/>
+            <p:nvPr/>
+          </p:nvSpPr>
+          <p:spPr>
+            <a:xfrm>
+              <a:off x="4480856" y="1590617"/>
+              <a:ext cx="2193323" cy="218555"/>
+            </a:xfrm>
+            <a:prstGeom prst="rect">
+              <a:avLst/>
+            </a:prstGeom>
+            <a:solidFill>
+              <a:srgbClr val="D9D9D9">
+                <a:alpha val="100000"/>
+              </a:srgbClr>
+            </a:solidFill>
+            <a:ln w="13550" cap="rnd">
+              <a:solidFill>
+                <a:srgbClr val="333333">
+                  <a:alpha val="100000"/>
+                </a:srgbClr>
+              </a:solidFill>
+              <a:prstDash val="solid"/>
+              <a:round/>
+            </a:ln>
+          </p:spPr>
+          <p:txBody>
+            <a:bodyPr/>
+            <a:lstStyle/>
+            <a:p/>
+          </p:txBody>
+        </p:sp>
+        <p:sp>
+          <p:nvSpPr>
+            <p:cNvPr id="59" name="tx59"/>
+            <p:cNvSpPr/>
+            <p:nvPr/>
+          </p:nvSpPr>
+          <p:spPr>
+            <a:xfrm>
+              <a:off x="5409878" y="1670045"/>
+              <a:ext cx="335280" cy="69850"/>
             </a:xfrm>
             <a:prstGeom prst="rect">
               <a:avLst/>
@@ -4151,30 +5282,65 @@
                 </a:spcAft>
               </a:pPr>
               <a:r>
-                <a:rPr sz="880" b="1">
+                <a:rPr sz="880">
                   <a:solidFill>
-                    <a:srgbClr val="4D4D4D">
+                    <a:srgbClr val="1A1A1A">
                       <a:alpha val="100000"/>
                     </a:srgbClr>
                   </a:solidFill>
                   <a:latin typeface="Arial"/>
                   <a:cs typeface="Arial"/>
                 </a:rPr>
-                <a:t>4</a:t>
+                <a:t>临床医生</a:t>
               </a:r>
             </a:p>
           </p:txBody>
         </p:sp>
         <p:sp>
           <p:nvSpPr>
-            <p:cNvPr id="30" name="tx30"/>
-            <p:cNvSpPr/>
-            <p:nvPr/>
-          </p:nvSpPr>
-          <p:spPr>
-            <a:xfrm>
-              <a:off x="1926599" y="3573080"/>
-              <a:ext cx="62155" cy="81691"/>
+            <p:cNvPr id="60" name="rc60"/>
+            <p:cNvSpPr/>
+            <p:nvPr/>
+          </p:nvSpPr>
+          <p:spPr>
+            <a:xfrm>
+              <a:off x="6743768" y="1590617"/>
+              <a:ext cx="2193323" cy="218555"/>
+            </a:xfrm>
+            <a:prstGeom prst="rect">
+              <a:avLst/>
+            </a:prstGeom>
+            <a:solidFill>
+              <a:srgbClr val="D9D9D9">
+                <a:alpha val="100000"/>
+              </a:srgbClr>
+            </a:solidFill>
+            <a:ln w="13550" cap="rnd">
+              <a:solidFill>
+                <a:srgbClr val="333333">
+                  <a:alpha val="100000"/>
+                </a:srgbClr>
+              </a:solidFill>
+              <a:prstDash val="solid"/>
+              <a:round/>
+            </a:ln>
+          </p:spPr>
+          <p:txBody>
+            <a:bodyPr/>
+            <a:lstStyle/>
+            <a:p/>
+          </p:txBody>
+        </p:sp>
+        <p:sp>
+          <p:nvSpPr>
+            <p:cNvPr id="61" name="tx61"/>
+            <p:cNvSpPr/>
+            <p:nvPr/>
+          </p:nvSpPr>
+          <p:spPr>
+            <a:xfrm>
+              <a:off x="7672790" y="1670045"/>
+              <a:ext cx="335280" cy="69850"/>
             </a:xfrm>
             <a:prstGeom prst="rect">
               <a:avLst/>
@@ -4197,139 +5363,47 @@
                 </a:spcAft>
               </a:pPr>
               <a:r>
-                <a:rPr sz="880" b="1">
+                <a:rPr sz="880">
                   <a:solidFill>
-                    <a:srgbClr val="4D4D4D">
+                    <a:srgbClr val="1A1A1A">
                       <a:alpha val="100000"/>
                     </a:srgbClr>
                   </a:solidFill>
                   <a:latin typeface="Arial"/>
                   <a:cs typeface="Arial"/>
                 </a:rPr>
-                <a:t>3</a:t>
+                <a:t>企业人员</a:t>
               </a:r>
             </a:p>
           </p:txBody>
         </p:sp>
         <p:sp>
           <p:nvSpPr>
-            <p:cNvPr id="31" name="tx31"/>
-            <p:cNvSpPr/>
-            <p:nvPr/>
-          </p:nvSpPr>
-          <p:spPr>
-            <a:xfrm>
-              <a:off x="1926599" y="2795923"/>
-              <a:ext cx="62155" cy="80327"/>
-            </a:xfrm>
-            <a:prstGeom prst="rect">
-              <a:avLst/>
-            </a:prstGeom>
-            <a:noFill/>
-          </p:spPr>
-          <p:txBody>
-            <a:bodyPr lIns="0" rIns="0" tIns="0" bIns="0" anchorCtr="1" anchor="ctr" wrap="none"/>
-            <a:lstStyle/>
-            <a:p>
-              <a:pPr algn="l" marL="0" marR="0" indent="0">
-                <a:lnSpc>
-                  <a:spcPts val="880"/>
-                </a:lnSpc>
-                <a:spcBef>
-                  <a:spcPts val="0"/>
-                </a:spcBef>
-                <a:spcAft>
-                  <a:spcPts val="0"/>
-                </a:spcAft>
-              </a:pPr>
-              <a:r>
-                <a:rPr sz="880" b="1">
-                  <a:solidFill>
-                    <a:srgbClr val="4D4D4D">
-                      <a:alpha val="100000"/>
-                    </a:srgbClr>
-                  </a:solidFill>
-                  <a:latin typeface="Arial"/>
-                  <a:cs typeface="Arial"/>
-                </a:rPr>
-                <a:t>2</a:t>
-              </a:r>
-            </a:p>
-          </p:txBody>
-        </p:sp>
-        <p:sp>
-          <p:nvSpPr>
-            <p:cNvPr id="32" name="tx32"/>
-            <p:cNvSpPr/>
-            <p:nvPr/>
-          </p:nvSpPr>
-          <p:spPr>
-            <a:xfrm>
-              <a:off x="1926599" y="2017402"/>
-              <a:ext cx="62155" cy="80327"/>
-            </a:xfrm>
-            <a:prstGeom prst="rect">
-              <a:avLst/>
-            </a:prstGeom>
-            <a:noFill/>
-          </p:spPr>
-          <p:txBody>
-            <a:bodyPr lIns="0" rIns="0" tIns="0" bIns="0" anchorCtr="1" anchor="ctr" wrap="none"/>
-            <a:lstStyle/>
-            <a:p>
-              <a:pPr algn="l" marL="0" marR="0" indent="0">
-                <a:lnSpc>
-                  <a:spcPts val="880"/>
-                </a:lnSpc>
-                <a:spcBef>
-                  <a:spcPts val="0"/>
-                </a:spcBef>
-                <a:spcAft>
-                  <a:spcPts val="0"/>
-                </a:spcAft>
-              </a:pPr>
-              <a:r>
-                <a:rPr sz="880" b="1">
-                  <a:solidFill>
-                    <a:srgbClr val="4D4D4D">
-                      <a:alpha val="100000"/>
-                    </a:srgbClr>
-                  </a:solidFill>
-                  <a:latin typeface="Arial"/>
-                  <a:cs typeface="Arial"/>
-                </a:rPr>
-                <a:t>1</a:t>
-              </a:r>
-            </a:p>
-          </p:txBody>
-        </p:sp>
-        <p:sp>
-          <p:nvSpPr>
-            <p:cNvPr id="33" name="pl33"/>
-            <p:cNvSpPr/>
-            <p:nvPr/>
-          </p:nvSpPr>
-          <p:spPr>
-            <a:xfrm>
-              <a:off x="1988754" y="5171815"/>
-              <a:ext cx="34794" cy="0"/>
+            <p:cNvPr id="62" name="pl62"/>
+            <p:cNvSpPr/>
+            <p:nvPr/>
+          </p:nvSpPr>
+          <p:spPr>
+            <a:xfrm>
+              <a:off x="2629191" y="5274097"/>
+              <a:ext cx="0" cy="34794"/>
             </a:xfrm>
             <a:custGeom>
               <a:avLst/>
               <a:pathLst>
-                <a:path w="34794" h="0">
+                <a:path w="0" h="34794">
                   <a:moveTo>
+                    <a:pt x="0" y="34794"/>
+                  </a:moveTo>
+                  <a:lnTo>
                     <a:pt x="0" y="0"/>
-                  </a:moveTo>
-                  <a:lnTo>
-                    <a:pt x="34794" y="0"/>
                   </a:lnTo>
                 </a:path>
               </a:pathLst>
             </a:custGeom>
-            <a:ln w="6775" cap="flat">
+            <a:ln w="13550" cap="flat">
               <a:solidFill>
-                <a:srgbClr val="B3B3B3">
+                <a:srgbClr val="333333">
                   <a:alpha val="100000"/>
                 </a:srgbClr>
               </a:solidFill>
@@ -4345,31 +5419,31 @@
         </p:sp>
         <p:sp>
           <p:nvSpPr>
-            <p:cNvPr id="34" name="pl34"/>
-            <p:cNvSpPr/>
-            <p:nvPr/>
-          </p:nvSpPr>
-          <p:spPr>
-            <a:xfrm>
-              <a:off x="1988754" y="4393293"/>
-              <a:ext cx="34794" cy="0"/>
+            <p:cNvPr id="63" name="pl63"/>
+            <p:cNvSpPr/>
+            <p:nvPr/>
+          </p:nvSpPr>
+          <p:spPr>
+            <a:xfrm>
+              <a:off x="3314605" y="5274097"/>
+              <a:ext cx="0" cy="34794"/>
             </a:xfrm>
             <a:custGeom>
               <a:avLst/>
               <a:pathLst>
-                <a:path w="34794" h="0">
+                <a:path w="0" h="34794">
                   <a:moveTo>
+                    <a:pt x="0" y="34794"/>
+                  </a:moveTo>
+                  <a:lnTo>
                     <a:pt x="0" y="0"/>
-                  </a:moveTo>
-                  <a:lnTo>
-                    <a:pt x="34794" y="0"/>
                   </a:lnTo>
                 </a:path>
               </a:pathLst>
             </a:custGeom>
-            <a:ln w="6775" cap="flat">
+            <a:ln w="13550" cap="flat">
               <a:solidFill>
-                <a:srgbClr val="B3B3B3">
+                <a:srgbClr val="333333">
                   <a:alpha val="100000"/>
                 </a:srgbClr>
               </a:solidFill>
@@ -4385,31 +5459,31 @@
         </p:sp>
         <p:sp>
           <p:nvSpPr>
-            <p:cNvPr id="35" name="pl35"/>
-            <p:cNvSpPr/>
-            <p:nvPr/>
-          </p:nvSpPr>
-          <p:spPr>
-            <a:xfrm>
-              <a:off x="1988754" y="3614772"/>
-              <a:ext cx="34794" cy="0"/>
+            <p:cNvPr id="64" name="pl64"/>
+            <p:cNvSpPr/>
+            <p:nvPr/>
+          </p:nvSpPr>
+          <p:spPr>
+            <a:xfrm>
+              <a:off x="4000019" y="5274097"/>
+              <a:ext cx="0" cy="34794"/>
             </a:xfrm>
             <a:custGeom>
               <a:avLst/>
               <a:pathLst>
-                <a:path w="34794" h="0">
+                <a:path w="0" h="34794">
                   <a:moveTo>
+                    <a:pt x="0" y="34794"/>
+                  </a:moveTo>
+                  <a:lnTo>
                     <a:pt x="0" y="0"/>
-                  </a:moveTo>
-                  <a:lnTo>
-                    <a:pt x="34794" y="0"/>
                   </a:lnTo>
                 </a:path>
               </a:pathLst>
             </a:custGeom>
-            <a:ln w="6775" cap="flat">
+            <a:ln w="13550" cap="flat">
               <a:solidFill>
-                <a:srgbClr val="B3B3B3">
+                <a:srgbClr val="333333">
                   <a:alpha val="100000"/>
                 </a:srgbClr>
               </a:solidFill>
@@ -4425,31 +5499,31 @@
         </p:sp>
         <p:sp>
           <p:nvSpPr>
-            <p:cNvPr id="36" name="pl36"/>
-            <p:cNvSpPr/>
-            <p:nvPr/>
-          </p:nvSpPr>
-          <p:spPr>
-            <a:xfrm>
-              <a:off x="1988754" y="2836251"/>
-              <a:ext cx="34794" cy="0"/>
+            <p:cNvPr id="65" name="pl65"/>
+            <p:cNvSpPr/>
+            <p:nvPr/>
+          </p:nvSpPr>
+          <p:spPr>
+            <a:xfrm>
+              <a:off x="4892104" y="5274097"/>
+              <a:ext cx="0" cy="34794"/>
             </a:xfrm>
             <a:custGeom>
               <a:avLst/>
               <a:pathLst>
-                <a:path w="34794" h="0">
+                <a:path w="0" h="34794">
                   <a:moveTo>
+                    <a:pt x="0" y="34794"/>
+                  </a:moveTo>
+                  <a:lnTo>
                     <a:pt x="0" y="0"/>
-                  </a:moveTo>
-                  <a:lnTo>
-                    <a:pt x="34794" y="0"/>
                   </a:lnTo>
                 </a:path>
               </a:pathLst>
             </a:custGeom>
-            <a:ln w="6775" cap="flat">
+            <a:ln w="13550" cap="flat">
               <a:solidFill>
-                <a:srgbClr val="B3B3B3">
+                <a:srgbClr val="333333">
                   <a:alpha val="100000"/>
                 </a:srgbClr>
               </a:solidFill>
@@ -4465,31 +5539,31 @@
         </p:sp>
         <p:sp>
           <p:nvSpPr>
-            <p:cNvPr id="37" name="pl37"/>
-            <p:cNvSpPr/>
-            <p:nvPr/>
-          </p:nvSpPr>
-          <p:spPr>
-            <a:xfrm>
-              <a:off x="1988754" y="2057730"/>
-              <a:ext cx="34794" cy="0"/>
+            <p:cNvPr id="66" name="pl66"/>
+            <p:cNvSpPr/>
+            <p:nvPr/>
+          </p:nvSpPr>
+          <p:spPr>
+            <a:xfrm>
+              <a:off x="5577518" y="5274097"/>
+              <a:ext cx="0" cy="34794"/>
             </a:xfrm>
             <a:custGeom>
               <a:avLst/>
               <a:pathLst>
-                <a:path w="34794" h="0">
+                <a:path w="0" h="34794">
                   <a:moveTo>
+                    <a:pt x="0" y="34794"/>
+                  </a:moveTo>
+                  <a:lnTo>
                     <a:pt x="0" y="0"/>
-                  </a:moveTo>
-                  <a:lnTo>
-                    <a:pt x="34794" y="0"/>
                   </a:lnTo>
                 </a:path>
               </a:pathLst>
             </a:custGeom>
-            <a:ln w="6775" cap="flat">
+            <a:ln w="13550" cap="flat">
               <a:solidFill>
-                <a:srgbClr val="B3B3B3">
+                <a:srgbClr val="333333">
                   <a:alpha val="100000"/>
                 </a:srgbClr>
               </a:solidFill>
@@ -4505,13 +5579,13 @@
         </p:sp>
         <p:sp>
           <p:nvSpPr>
-            <p:cNvPr id="38" name="pl38"/>
-            <p:cNvSpPr/>
-            <p:nvPr/>
-          </p:nvSpPr>
-          <p:spPr>
-            <a:xfrm>
-              <a:off x="2023549" y="5638927"/>
+            <p:cNvPr id="67" name="pl67"/>
+            <p:cNvSpPr/>
+            <p:nvPr/>
+          </p:nvSpPr>
+          <p:spPr>
+            <a:xfrm>
+              <a:off x="6262931" y="5274097"/>
               <a:ext cx="0" cy="34794"/>
             </a:xfrm>
             <a:custGeom>
@@ -4527,9 +5601,9 @@
                 </a:path>
               </a:pathLst>
             </a:custGeom>
-            <a:ln w="6775" cap="flat">
+            <a:ln w="13550" cap="flat">
               <a:solidFill>
-                <a:srgbClr val="B3B3B3">
+                <a:srgbClr val="333333">
                   <a:alpha val="100000"/>
                 </a:srgbClr>
               </a:solidFill>
@@ -4545,13 +5619,13 @@
         </p:sp>
         <p:sp>
           <p:nvSpPr>
-            <p:cNvPr id="39" name="pl39"/>
-            <p:cNvSpPr/>
-            <p:nvPr/>
-          </p:nvSpPr>
-          <p:spPr>
-            <a:xfrm>
-              <a:off x="4381929" y="5638927"/>
+            <p:cNvPr id="68" name="pl68"/>
+            <p:cNvSpPr/>
+            <p:nvPr/>
+          </p:nvSpPr>
+          <p:spPr>
+            <a:xfrm>
+              <a:off x="7155017" y="5274097"/>
               <a:ext cx="0" cy="34794"/>
             </a:xfrm>
             <a:custGeom>
@@ -4567,9 +5641,9 @@
                 </a:path>
               </a:pathLst>
             </a:custGeom>
-            <a:ln w="6775" cap="flat">
+            <a:ln w="13550" cap="flat">
               <a:solidFill>
-                <a:srgbClr val="B3B3B3">
+                <a:srgbClr val="333333">
                   <a:alpha val="100000"/>
                 </a:srgbClr>
               </a:solidFill>
@@ -4585,13 +5659,13 @@
         </p:sp>
         <p:sp>
           <p:nvSpPr>
-            <p:cNvPr id="40" name="pl40"/>
-            <p:cNvSpPr/>
-            <p:nvPr/>
-          </p:nvSpPr>
-          <p:spPr>
-            <a:xfrm>
-              <a:off x="6740308" y="5638927"/>
+            <p:cNvPr id="69" name="pl69"/>
+            <p:cNvSpPr/>
+            <p:nvPr/>
+          </p:nvSpPr>
+          <p:spPr>
+            <a:xfrm>
+              <a:off x="7840430" y="5274097"/>
               <a:ext cx="0" cy="34794"/>
             </a:xfrm>
             <a:custGeom>
@@ -4607,9 +5681,9 @@
                 </a:path>
               </a:pathLst>
             </a:custGeom>
-            <a:ln w="6775" cap="flat">
+            <a:ln w="13550" cap="flat">
               <a:solidFill>
-                <a:srgbClr val="B3B3B3">
+                <a:srgbClr val="333333">
                   <a:alpha val="100000"/>
                 </a:srgbClr>
               </a:solidFill>
@@ -4625,14 +5699,54 @@
         </p:sp>
         <p:sp>
           <p:nvSpPr>
-            <p:cNvPr id="41" name="tx41"/>
-            <p:cNvSpPr/>
-            <p:nvPr/>
-          </p:nvSpPr>
-          <p:spPr>
-            <a:xfrm>
-              <a:off x="1992471" y="5699866"/>
-              <a:ext cx="62155" cy="81691"/>
+            <p:cNvPr id="70" name="pl70"/>
+            <p:cNvSpPr/>
+            <p:nvPr/>
+          </p:nvSpPr>
+          <p:spPr>
+            <a:xfrm>
+              <a:off x="8525844" y="5274097"/>
+              <a:ext cx="0" cy="34794"/>
+            </a:xfrm>
+            <a:custGeom>
+              <a:avLst/>
+              <a:pathLst>
+                <a:path w="0" h="34794">
+                  <a:moveTo>
+                    <a:pt x="0" y="34794"/>
+                  </a:moveTo>
+                  <a:lnTo>
+                    <a:pt x="0" y="0"/>
+                  </a:lnTo>
+                </a:path>
+              </a:pathLst>
+            </a:custGeom>
+            <a:ln w="13550" cap="flat">
+              <a:solidFill>
+                <a:srgbClr val="333333">
+                  <a:alpha val="100000"/>
+                </a:srgbClr>
+              </a:solidFill>
+              <a:prstDash val="solid"/>
+              <a:round/>
+            </a:ln>
+          </p:spPr>
+          <p:txBody>
+            <a:bodyPr/>
+            <a:lstStyle/>
+            <a:p/>
+          </p:txBody>
+        </p:sp>
+        <p:sp>
+          <p:nvSpPr>
+            <p:cNvPr id="71" name="tx71"/>
+            <p:cNvSpPr/>
+            <p:nvPr/>
+          </p:nvSpPr>
+          <p:spPr>
+            <a:xfrm>
+              <a:off x="1993785" y="5072289"/>
+              <a:ext cx="161528" cy="84311"/>
             </a:xfrm>
             <a:prstGeom prst="rect">
               <a:avLst/>
@@ -4664,21 +5778,21 @@
                   <a:latin typeface="Arial"/>
                   <a:cs typeface="Arial"/>
                 </a:rPr>
-                <a:t>0</a:t>
+                <a:t>0%</a:t>
               </a:r>
             </a:p>
           </p:txBody>
         </p:sp>
         <p:sp>
           <p:nvSpPr>
-            <p:cNvPr id="42" name="tx42"/>
-            <p:cNvSpPr/>
-            <p:nvPr/>
-          </p:nvSpPr>
-          <p:spPr>
-            <a:xfrm>
-              <a:off x="4257617" y="5699866"/>
-              <a:ext cx="248622" cy="81691"/>
+            <p:cNvPr id="72" name="tx72"/>
+            <p:cNvSpPr/>
+            <p:nvPr/>
+          </p:nvSpPr>
+          <p:spPr>
+            <a:xfrm>
+              <a:off x="1931629" y="4306250"/>
+              <a:ext cx="223683" cy="84311"/>
             </a:xfrm>
             <a:prstGeom prst="rect">
               <a:avLst/>
@@ -4710,21 +5824,21 @@
                   <a:latin typeface="Arial"/>
                   <a:cs typeface="Arial"/>
                 </a:rPr>
-                <a:t>1000</a:t>
+                <a:t>20%</a:t>
               </a:r>
             </a:p>
           </p:txBody>
         </p:sp>
         <p:sp>
           <p:nvSpPr>
-            <p:cNvPr id="43" name="tx43"/>
-            <p:cNvSpPr/>
-            <p:nvPr/>
-          </p:nvSpPr>
-          <p:spPr>
-            <a:xfrm>
-              <a:off x="6615997" y="5699866"/>
-              <a:ext cx="248622" cy="81691"/>
+            <p:cNvPr id="73" name="tx73"/>
+            <p:cNvSpPr/>
+            <p:nvPr/>
+          </p:nvSpPr>
+          <p:spPr>
+            <a:xfrm>
+              <a:off x="1931629" y="3540210"/>
+              <a:ext cx="223683" cy="84311"/>
             </a:xfrm>
             <a:prstGeom prst="rect">
               <a:avLst/>
@@ -4756,7 +5870,619 @@
                   <a:latin typeface="Arial"/>
                   <a:cs typeface="Arial"/>
                 </a:rPr>
-                <a:t>2000</a:t>
+                <a:t>40%</a:t>
+              </a:r>
+            </a:p>
+          </p:txBody>
+        </p:sp>
+        <p:sp>
+          <p:nvSpPr>
+            <p:cNvPr id="74" name="tx74"/>
+            <p:cNvSpPr/>
+            <p:nvPr/>
+          </p:nvSpPr>
+          <p:spPr>
+            <a:xfrm>
+              <a:off x="1931629" y="2774170"/>
+              <a:ext cx="223683" cy="84311"/>
+            </a:xfrm>
+            <a:prstGeom prst="rect">
+              <a:avLst/>
+            </a:prstGeom>
+            <a:noFill/>
+          </p:spPr>
+          <p:txBody>
+            <a:bodyPr lIns="0" rIns="0" tIns="0" bIns="0" anchorCtr="1" anchor="ctr" wrap="none"/>
+            <a:lstStyle/>
+            <a:p>
+              <a:pPr algn="l" marL="0" marR="0" indent="0">
+                <a:lnSpc>
+                  <a:spcPts val="880"/>
+                </a:lnSpc>
+                <a:spcBef>
+                  <a:spcPts val="0"/>
+                </a:spcBef>
+                <a:spcAft>
+                  <a:spcPts val="0"/>
+                </a:spcAft>
+              </a:pPr>
+              <a:r>
+                <a:rPr sz="880">
+                  <a:solidFill>
+                    <a:srgbClr val="4D4D4D">
+                      <a:alpha val="100000"/>
+                    </a:srgbClr>
+                  </a:solidFill>
+                  <a:latin typeface="Arial"/>
+                  <a:cs typeface="Arial"/>
+                </a:rPr>
+                <a:t>60%</a:t>
+              </a:r>
+            </a:p>
+          </p:txBody>
+        </p:sp>
+        <p:sp>
+          <p:nvSpPr>
+            <p:cNvPr id="75" name="tx75"/>
+            <p:cNvSpPr/>
+            <p:nvPr/>
+          </p:nvSpPr>
+          <p:spPr>
+            <a:xfrm>
+              <a:off x="1931629" y="2008131"/>
+              <a:ext cx="223683" cy="84311"/>
+            </a:xfrm>
+            <a:prstGeom prst="rect">
+              <a:avLst/>
+            </a:prstGeom>
+            <a:noFill/>
+          </p:spPr>
+          <p:txBody>
+            <a:bodyPr lIns="0" rIns="0" tIns="0" bIns="0" anchorCtr="1" anchor="ctr" wrap="none"/>
+            <a:lstStyle/>
+            <a:p>
+              <a:pPr algn="l" marL="0" marR="0" indent="0">
+                <a:lnSpc>
+                  <a:spcPts val="880"/>
+                </a:lnSpc>
+                <a:spcBef>
+                  <a:spcPts val="0"/>
+                </a:spcBef>
+                <a:spcAft>
+                  <a:spcPts val="0"/>
+                </a:spcAft>
+              </a:pPr>
+              <a:r>
+                <a:rPr sz="880">
+                  <a:solidFill>
+                    <a:srgbClr val="4D4D4D">
+                      <a:alpha val="100000"/>
+                    </a:srgbClr>
+                  </a:solidFill>
+                  <a:latin typeface="Arial"/>
+                  <a:cs typeface="Arial"/>
+                </a:rPr>
+                <a:t>80%</a:t>
+              </a:r>
+            </a:p>
+          </p:txBody>
+        </p:sp>
+        <p:sp>
+          <p:nvSpPr>
+            <p:cNvPr id="76" name="pl76"/>
+            <p:cNvSpPr/>
+            <p:nvPr/>
+          </p:nvSpPr>
+          <p:spPr>
+            <a:xfrm>
+              <a:off x="2183149" y="5116600"/>
+              <a:ext cx="34794" cy="0"/>
+            </a:xfrm>
+            <a:custGeom>
+              <a:avLst/>
+              <a:pathLst>
+                <a:path w="34794" h="0">
+                  <a:moveTo>
+                    <a:pt x="0" y="0"/>
+                  </a:moveTo>
+                  <a:lnTo>
+                    <a:pt x="34794" y="0"/>
+                  </a:lnTo>
+                </a:path>
+              </a:pathLst>
+            </a:custGeom>
+            <a:ln w="13550" cap="flat">
+              <a:solidFill>
+                <a:srgbClr val="333333">
+                  <a:alpha val="100000"/>
+                </a:srgbClr>
+              </a:solidFill>
+              <a:prstDash val="solid"/>
+              <a:round/>
+            </a:ln>
+          </p:spPr>
+          <p:txBody>
+            <a:bodyPr/>
+            <a:lstStyle/>
+            <a:p/>
+          </p:txBody>
+        </p:sp>
+        <p:sp>
+          <p:nvSpPr>
+            <p:cNvPr id="77" name="pl77"/>
+            <p:cNvSpPr/>
+            <p:nvPr/>
+          </p:nvSpPr>
+          <p:spPr>
+            <a:xfrm>
+              <a:off x="2183149" y="4350561"/>
+              <a:ext cx="34794" cy="0"/>
+            </a:xfrm>
+            <a:custGeom>
+              <a:avLst/>
+              <a:pathLst>
+                <a:path w="34794" h="0">
+                  <a:moveTo>
+                    <a:pt x="0" y="0"/>
+                  </a:moveTo>
+                  <a:lnTo>
+                    <a:pt x="34794" y="0"/>
+                  </a:lnTo>
+                </a:path>
+              </a:pathLst>
+            </a:custGeom>
+            <a:ln w="13550" cap="flat">
+              <a:solidFill>
+                <a:srgbClr val="333333">
+                  <a:alpha val="100000"/>
+                </a:srgbClr>
+              </a:solidFill>
+              <a:prstDash val="solid"/>
+              <a:round/>
+            </a:ln>
+          </p:spPr>
+          <p:txBody>
+            <a:bodyPr/>
+            <a:lstStyle/>
+            <a:p/>
+          </p:txBody>
+        </p:sp>
+        <p:sp>
+          <p:nvSpPr>
+            <p:cNvPr id="78" name="pl78"/>
+            <p:cNvSpPr/>
+            <p:nvPr/>
+          </p:nvSpPr>
+          <p:spPr>
+            <a:xfrm>
+              <a:off x="2183149" y="3584521"/>
+              <a:ext cx="34794" cy="0"/>
+            </a:xfrm>
+            <a:custGeom>
+              <a:avLst/>
+              <a:pathLst>
+                <a:path w="34794" h="0">
+                  <a:moveTo>
+                    <a:pt x="0" y="0"/>
+                  </a:moveTo>
+                  <a:lnTo>
+                    <a:pt x="34794" y="0"/>
+                  </a:lnTo>
+                </a:path>
+              </a:pathLst>
+            </a:custGeom>
+            <a:ln w="13550" cap="flat">
+              <a:solidFill>
+                <a:srgbClr val="333333">
+                  <a:alpha val="100000"/>
+                </a:srgbClr>
+              </a:solidFill>
+              <a:prstDash val="solid"/>
+              <a:round/>
+            </a:ln>
+          </p:spPr>
+          <p:txBody>
+            <a:bodyPr/>
+            <a:lstStyle/>
+            <a:p/>
+          </p:txBody>
+        </p:sp>
+        <p:sp>
+          <p:nvSpPr>
+            <p:cNvPr id="79" name="pl79"/>
+            <p:cNvSpPr/>
+            <p:nvPr/>
+          </p:nvSpPr>
+          <p:spPr>
+            <a:xfrm>
+              <a:off x="2183149" y="2818482"/>
+              <a:ext cx="34794" cy="0"/>
+            </a:xfrm>
+            <a:custGeom>
+              <a:avLst/>
+              <a:pathLst>
+                <a:path w="34794" h="0">
+                  <a:moveTo>
+                    <a:pt x="0" y="0"/>
+                  </a:moveTo>
+                  <a:lnTo>
+                    <a:pt x="34794" y="0"/>
+                  </a:lnTo>
+                </a:path>
+              </a:pathLst>
+            </a:custGeom>
+            <a:ln w="13550" cap="flat">
+              <a:solidFill>
+                <a:srgbClr val="333333">
+                  <a:alpha val="100000"/>
+                </a:srgbClr>
+              </a:solidFill>
+              <a:prstDash val="solid"/>
+              <a:round/>
+            </a:ln>
+          </p:spPr>
+          <p:txBody>
+            <a:bodyPr/>
+            <a:lstStyle/>
+            <a:p/>
+          </p:txBody>
+        </p:sp>
+        <p:sp>
+          <p:nvSpPr>
+            <p:cNvPr id="80" name="pl80"/>
+            <p:cNvSpPr/>
+            <p:nvPr/>
+          </p:nvSpPr>
+          <p:spPr>
+            <a:xfrm>
+              <a:off x="2183149" y="2052442"/>
+              <a:ext cx="34794" cy="0"/>
+            </a:xfrm>
+            <a:custGeom>
+              <a:avLst/>
+              <a:pathLst>
+                <a:path w="34794" h="0">
+                  <a:moveTo>
+                    <a:pt x="0" y="0"/>
+                  </a:moveTo>
+                  <a:lnTo>
+                    <a:pt x="34794" y="0"/>
+                  </a:lnTo>
+                </a:path>
+              </a:pathLst>
+            </a:custGeom>
+            <a:ln w="13550" cap="flat">
+              <a:solidFill>
+                <a:srgbClr val="333333">
+                  <a:alpha val="100000"/>
+                </a:srgbClr>
+              </a:solidFill>
+              <a:prstDash val="solid"/>
+              <a:round/>
+            </a:ln>
+          </p:spPr>
+          <p:txBody>
+            <a:bodyPr/>
+            <a:lstStyle/>
+            <a:p/>
+          </p:txBody>
+        </p:sp>
+        <p:sp>
+          <p:nvSpPr>
+            <p:cNvPr id="81" name="rc81"/>
+            <p:cNvSpPr/>
+            <p:nvPr/>
+          </p:nvSpPr>
+          <p:spPr>
+            <a:xfrm>
+              <a:off x="3921389" y="5613598"/>
+              <a:ext cx="3312256" cy="358634"/>
+            </a:xfrm>
+            <a:prstGeom prst="rect">
+              <a:avLst/>
+            </a:prstGeom>
+            <a:solidFill>
+              <a:srgbClr val="FFFFFF">
+                <a:alpha val="100000"/>
+              </a:srgbClr>
+            </a:solidFill>
+          </p:spPr>
+          <p:txBody>
+            <a:bodyPr/>
+            <a:lstStyle/>
+            <a:p/>
+          </p:txBody>
+        </p:sp>
+        <p:sp>
+          <p:nvSpPr>
+            <p:cNvPr id="82" name="rc82"/>
+            <p:cNvSpPr/>
+            <p:nvPr/>
+          </p:nvSpPr>
+          <p:spPr>
+            <a:xfrm>
+              <a:off x="4060567" y="5683187"/>
+              <a:ext cx="219455" cy="219455"/>
+            </a:xfrm>
+            <a:prstGeom prst="rect">
+              <a:avLst/>
+            </a:prstGeom>
+            <a:solidFill>
+              <a:srgbClr val="FFFFFF">
+                <a:alpha val="100000"/>
+              </a:srgbClr>
+            </a:solidFill>
+          </p:spPr>
+          <p:txBody>
+            <a:bodyPr/>
+            <a:lstStyle/>
+            <a:p/>
+          </p:txBody>
+        </p:sp>
+        <p:sp>
+          <p:nvSpPr>
+            <p:cNvPr id="83" name="rc83"/>
+            <p:cNvSpPr/>
+            <p:nvPr/>
+          </p:nvSpPr>
+          <p:spPr>
+            <a:xfrm>
+              <a:off x="4069567" y="5692187"/>
+              <a:ext cx="201456" cy="201456"/>
+            </a:xfrm>
+            <a:prstGeom prst="rect">
+              <a:avLst/>
+            </a:prstGeom>
+            <a:solidFill>
+              <a:srgbClr val="FEE0D2">
+                <a:alpha val="100000"/>
+              </a:srgbClr>
+            </a:solidFill>
+          </p:spPr>
+          <p:txBody>
+            <a:bodyPr/>
+            <a:lstStyle/>
+            <a:p/>
+          </p:txBody>
+        </p:sp>
+        <p:sp>
+          <p:nvSpPr>
+            <p:cNvPr id="84" name="rc84"/>
+            <p:cNvSpPr/>
+            <p:nvPr/>
+          </p:nvSpPr>
+          <p:spPr>
+            <a:xfrm>
+              <a:off x="4895832" y="5683187"/>
+              <a:ext cx="219456" cy="219455"/>
+            </a:xfrm>
+            <a:prstGeom prst="rect">
+              <a:avLst/>
+            </a:prstGeom>
+            <a:solidFill>
+              <a:srgbClr val="FFFFFF">
+                <a:alpha val="100000"/>
+              </a:srgbClr>
+            </a:solidFill>
+          </p:spPr>
+          <p:txBody>
+            <a:bodyPr/>
+            <a:lstStyle/>
+            <a:p/>
+          </p:txBody>
+        </p:sp>
+        <p:sp>
+          <p:nvSpPr>
+            <p:cNvPr id="85" name="rc85"/>
+            <p:cNvSpPr/>
+            <p:nvPr/>
+          </p:nvSpPr>
+          <p:spPr>
+            <a:xfrm>
+              <a:off x="4904832" y="5692187"/>
+              <a:ext cx="201456" cy="201456"/>
+            </a:xfrm>
+            <a:prstGeom prst="rect">
+              <a:avLst/>
+            </a:prstGeom>
+            <a:solidFill>
+              <a:srgbClr val="FC9272">
+                <a:alpha val="100000"/>
+              </a:srgbClr>
+            </a:solidFill>
+          </p:spPr>
+          <p:txBody>
+            <a:bodyPr/>
+            <a:lstStyle/>
+            <a:p/>
+          </p:txBody>
+        </p:sp>
+        <p:sp>
+          <p:nvSpPr>
+            <p:cNvPr id="86" name="rc86"/>
+            <p:cNvSpPr/>
+            <p:nvPr/>
+          </p:nvSpPr>
+          <p:spPr>
+            <a:xfrm>
+              <a:off x="6112402" y="5683187"/>
+              <a:ext cx="219455" cy="219455"/>
+            </a:xfrm>
+            <a:prstGeom prst="rect">
+              <a:avLst/>
+            </a:prstGeom>
+            <a:solidFill>
+              <a:srgbClr val="FFFFFF">
+                <a:alpha val="100000"/>
+              </a:srgbClr>
+            </a:solidFill>
+          </p:spPr>
+          <p:txBody>
+            <a:bodyPr/>
+            <a:lstStyle/>
+            <a:p/>
+          </p:txBody>
+        </p:sp>
+        <p:sp>
+          <p:nvSpPr>
+            <p:cNvPr id="87" name="rc87"/>
+            <p:cNvSpPr/>
+            <p:nvPr/>
+          </p:nvSpPr>
+          <p:spPr>
+            <a:xfrm>
+              <a:off x="6121402" y="5692187"/>
+              <a:ext cx="201456" cy="201456"/>
+            </a:xfrm>
+            <a:prstGeom prst="rect">
+              <a:avLst/>
+            </a:prstGeom>
+            <a:solidFill>
+              <a:srgbClr val="DE2D26">
+                <a:alpha val="100000"/>
+              </a:srgbClr>
+            </a:solidFill>
+          </p:spPr>
+          <p:txBody>
+            <a:bodyPr/>
+            <a:lstStyle/>
+            <a:p/>
+          </p:txBody>
+        </p:sp>
+        <p:sp>
+          <p:nvSpPr>
+            <p:cNvPr id="88" name="tx88"/>
+            <p:cNvSpPr/>
+            <p:nvPr/>
+          </p:nvSpPr>
+          <p:spPr>
+            <a:xfrm>
+              <a:off x="4349612" y="5763065"/>
+              <a:ext cx="419100" cy="69850"/>
+            </a:xfrm>
+            <a:prstGeom prst="rect">
+              <a:avLst/>
+            </a:prstGeom>
+            <a:noFill/>
+          </p:spPr>
+          <p:txBody>
+            <a:bodyPr lIns="0" rIns="0" tIns="0" bIns="0" anchorCtr="1" anchor="ctr" wrap="none"/>
+            <a:lstStyle/>
+            <a:p>
+              <a:pPr algn="l" marL="0" marR="0" indent="0">
+                <a:lnSpc>
+                  <a:spcPts val="880"/>
+                </a:lnSpc>
+                <a:spcBef>
+                  <a:spcPts val="0"/>
+                </a:spcBef>
+                <a:spcAft>
+                  <a:spcPts val="0"/>
+                </a:spcAft>
+              </a:pPr>
+              <a:r>
+                <a:rPr sz="880">
+                  <a:solidFill>
+                    <a:srgbClr val="000000">
+                      <a:alpha val="100000"/>
+                    </a:srgbClr>
+                  </a:solidFill>
+                  <a:latin typeface="Arial"/>
+                  <a:cs typeface="Arial"/>
+                </a:rPr>
+                <a:t>可以不标注</a:t>
+              </a:r>
+            </a:p>
+          </p:txBody>
+        </p:sp>
+        <p:sp>
+          <p:nvSpPr>
+            <p:cNvPr id="89" name="tx89"/>
+            <p:cNvSpPr/>
+            <p:nvPr/>
+          </p:nvSpPr>
+          <p:spPr>
+            <a:xfrm>
+              <a:off x="5184877" y="5763065"/>
+              <a:ext cx="754380" cy="69850"/>
+            </a:xfrm>
+            <a:prstGeom prst="rect">
+              <a:avLst/>
+            </a:prstGeom>
+            <a:noFill/>
+          </p:spPr>
+          <p:txBody>
+            <a:bodyPr lIns="0" rIns="0" tIns="0" bIns="0" anchorCtr="1" anchor="ctr" wrap="none"/>
+            <a:lstStyle/>
+            <a:p>
+              <a:pPr algn="l" marL="0" marR="0" indent="0">
+                <a:lnSpc>
+                  <a:spcPts val="880"/>
+                </a:lnSpc>
+                <a:spcBef>
+                  <a:spcPts val="0"/>
+                </a:spcBef>
+                <a:spcAft>
+                  <a:spcPts val="0"/>
+                </a:spcAft>
+              </a:pPr>
+              <a:r>
+                <a:rPr sz="880">
+                  <a:solidFill>
+                    <a:srgbClr val="000000">
+                      <a:alpha val="100000"/>
+                    </a:srgbClr>
+                  </a:solidFill>
+                  <a:latin typeface="Arial"/>
+                  <a:cs typeface="Arial"/>
+                </a:rPr>
+                <a:t>可以只标示核心菌株</a:t>
+              </a:r>
+            </a:p>
+          </p:txBody>
+        </p:sp>
+        <p:sp>
+          <p:nvSpPr>
+            <p:cNvPr id="90" name="tx90"/>
+            <p:cNvSpPr/>
+            <p:nvPr/>
+          </p:nvSpPr>
+          <p:spPr>
+            <a:xfrm>
+              <a:off x="6401447" y="5763065"/>
+              <a:ext cx="670560" cy="69850"/>
+            </a:xfrm>
+            <a:prstGeom prst="rect">
+              <a:avLst/>
+            </a:prstGeom>
+            <a:noFill/>
+          </p:spPr>
+          <p:txBody>
+            <a:bodyPr lIns="0" rIns="0" tIns="0" bIns="0" anchorCtr="1" anchor="ctr" wrap="none"/>
+            <a:lstStyle/>
+            <a:p>
+              <a:pPr algn="l" marL="0" marR="0" indent="0">
+                <a:lnSpc>
+                  <a:spcPts val="880"/>
+                </a:lnSpc>
+                <a:spcBef>
+                  <a:spcPts val="0"/>
+                </a:spcBef>
+                <a:spcAft>
+                  <a:spcPts val="0"/>
+                </a:spcAft>
+              </a:pPr>
+              <a:r>
+                <a:rPr sz="880">
+                  <a:solidFill>
+                    <a:srgbClr val="000000">
+                      <a:alpha val="100000"/>
+                    </a:srgbClr>
+                  </a:solidFill>
+                  <a:latin typeface="Arial"/>
+                  <a:cs typeface="Arial"/>
+                </a:rPr>
+                <a:t>应该标注全部菌株</a:t>
               </a:r>
             </a:p>
           </p:txBody>

--- a/_book/plot/unnamed-chunk-76-1.pptx
+++ b/_book/plot/unnamed-chunk-76-1.pptx
@@ -3192,8 +3192,8 @@
           </p:nvSpPr>
           <p:spPr>
             <a:xfrm>
-              <a:off x="2019661" y="1590617"/>
-              <a:ext cx="6917431" cy="4055309"/>
+              <a:off x="2017917" y="1590617"/>
+              <a:ext cx="6919174" cy="4059006"/>
             </a:xfrm>
             <a:prstGeom prst="rect">
               <a:avLst/>
@@ -3218,15 +3218,15 @@
           </p:nvSpPr>
           <p:spPr>
             <a:xfrm>
-              <a:off x="2829331" y="1590617"/>
-              <a:ext cx="0" cy="4055309"/>
+              <a:off x="2827791" y="1590617"/>
+              <a:ext cx="0" cy="4059006"/>
             </a:xfrm>
             <a:custGeom>
               <a:avLst/>
               <a:pathLst>
-                <a:path w="0" h="4055309">
+                <a:path w="0" h="4059006">
                   <a:moveTo>
-                    <a:pt x="0" y="4055309"/>
+                    <a:pt x="0" y="4059006"/>
                   </a:moveTo>
                   <a:lnTo>
                     <a:pt x="0" y="0"/>
@@ -3261,15 +3261,15 @@
           </p:nvSpPr>
           <p:spPr>
             <a:xfrm>
-              <a:off x="4448670" y="1590617"/>
-              <a:ext cx="0" cy="4055309"/>
+              <a:off x="4447539" y="1590617"/>
+              <a:ext cx="0" cy="4059006"/>
             </a:xfrm>
             <a:custGeom>
               <a:avLst/>
               <a:pathLst>
-                <a:path w="0" h="4055309">
+                <a:path w="0" h="4059006">
                   <a:moveTo>
-                    <a:pt x="0" y="4055309"/>
+                    <a:pt x="0" y="4059006"/>
                   </a:moveTo>
                   <a:lnTo>
                     <a:pt x="0" y="0"/>
@@ -3304,15 +3304,15 @@
           </p:nvSpPr>
           <p:spPr>
             <a:xfrm>
-              <a:off x="6068010" y="1590617"/>
-              <a:ext cx="0" cy="4055309"/>
+              <a:off x="6067287" y="1590617"/>
+              <a:ext cx="0" cy="4059006"/>
             </a:xfrm>
             <a:custGeom>
               <a:avLst/>
               <a:pathLst>
-                <a:path w="0" h="4055309">
+                <a:path w="0" h="4059006">
                   <a:moveTo>
-                    <a:pt x="0" y="4055309"/>
+                    <a:pt x="0" y="4059006"/>
                   </a:moveTo>
                   <a:lnTo>
                     <a:pt x="0" y="0"/>
@@ -3347,15 +3347,15 @@
           </p:nvSpPr>
           <p:spPr>
             <a:xfrm>
-              <a:off x="7687350" y="1590617"/>
-              <a:ext cx="0" cy="4055309"/>
+              <a:off x="7687035" y="1590617"/>
+              <a:ext cx="0" cy="4059006"/>
             </a:xfrm>
             <a:custGeom>
               <a:avLst/>
               <a:pathLst>
-                <a:path w="0" h="4055309">
+                <a:path w="0" h="4059006">
                   <a:moveTo>
-                    <a:pt x="0" y="4055309"/>
+                    <a:pt x="0" y="4059006"/>
                   </a:moveTo>
                   <a:lnTo>
                     <a:pt x="0" y="0"/>
@@ -3390,21 +3390,21 @@
           </p:nvSpPr>
           <p:spPr>
             <a:xfrm>
-              <a:off x="2019661" y="5178006"/>
-              <a:ext cx="6917431" cy="0"/>
+              <a:off x="2017917" y="5181276"/>
+              <a:ext cx="6919174" cy="0"/>
             </a:xfrm>
             <a:custGeom>
               <a:avLst/>
               <a:pathLst>
-                <a:path w="6917431" h="0">
+                <a:path w="6919174" h="0">
                   <a:moveTo>
                     <a:pt x="0" y="0"/>
                   </a:moveTo>
                   <a:lnTo>
-                    <a:pt x="6917431" y="0"/>
-                  </a:lnTo>
-                  <a:lnTo>
-                    <a:pt x="6917431" y="0"/>
+                    <a:pt x="6919174" y="0"/>
+                  </a:lnTo>
+                  <a:lnTo>
+                    <a:pt x="6919174" y="0"/>
                   </a:lnTo>
                 </a:path>
               </a:pathLst>
@@ -3433,21 +3433,21 @@
           </p:nvSpPr>
           <p:spPr>
             <a:xfrm>
-              <a:off x="2019661" y="4398139"/>
-              <a:ext cx="6917431" cy="0"/>
+              <a:off x="2017917" y="4400698"/>
+              <a:ext cx="6919174" cy="0"/>
             </a:xfrm>
             <a:custGeom>
               <a:avLst/>
               <a:pathLst>
-                <a:path w="6917431" h="0">
+                <a:path w="6919174" h="0">
                   <a:moveTo>
                     <a:pt x="0" y="0"/>
                   </a:moveTo>
                   <a:lnTo>
-                    <a:pt x="6917431" y="0"/>
-                  </a:lnTo>
-                  <a:lnTo>
-                    <a:pt x="6917431" y="0"/>
+                    <a:pt x="6919174" y="0"/>
+                  </a:lnTo>
+                  <a:lnTo>
+                    <a:pt x="6919174" y="0"/>
                   </a:lnTo>
                 </a:path>
               </a:pathLst>
@@ -3476,21 +3476,21 @@
           </p:nvSpPr>
           <p:spPr>
             <a:xfrm>
-              <a:off x="2019661" y="3618271"/>
-              <a:ext cx="6917431" cy="0"/>
+              <a:off x="2017917" y="3620120"/>
+              <a:ext cx="6919174" cy="0"/>
             </a:xfrm>
             <a:custGeom>
               <a:avLst/>
               <a:pathLst>
-                <a:path w="6917431" h="0">
+                <a:path w="6919174" h="0">
                   <a:moveTo>
                     <a:pt x="0" y="0"/>
                   </a:moveTo>
                   <a:lnTo>
-                    <a:pt x="6917431" y="0"/>
-                  </a:lnTo>
-                  <a:lnTo>
-                    <a:pt x="6917431" y="0"/>
+                    <a:pt x="6919174" y="0"/>
+                  </a:lnTo>
+                  <a:lnTo>
+                    <a:pt x="6919174" y="0"/>
                   </a:lnTo>
                 </a:path>
               </a:pathLst>
@@ -3519,21 +3519,21 @@
           </p:nvSpPr>
           <p:spPr>
             <a:xfrm>
-              <a:off x="2019661" y="2838404"/>
-              <a:ext cx="6917431" cy="0"/>
+              <a:off x="2017917" y="2839542"/>
+              <a:ext cx="6919174" cy="0"/>
             </a:xfrm>
             <a:custGeom>
               <a:avLst/>
               <a:pathLst>
-                <a:path w="6917431" h="0">
+                <a:path w="6919174" h="0">
                   <a:moveTo>
                     <a:pt x="0" y="0"/>
                   </a:moveTo>
                   <a:lnTo>
-                    <a:pt x="6917431" y="0"/>
-                  </a:lnTo>
-                  <a:lnTo>
-                    <a:pt x="6917431" y="0"/>
+                    <a:pt x="6919174" y="0"/>
+                  </a:lnTo>
+                  <a:lnTo>
+                    <a:pt x="6919174" y="0"/>
                   </a:lnTo>
                 </a:path>
               </a:pathLst>
@@ -3562,21 +3562,21 @@
           </p:nvSpPr>
           <p:spPr>
             <a:xfrm>
-              <a:off x="2019661" y="2058537"/>
-              <a:ext cx="6917431" cy="0"/>
+              <a:off x="2017917" y="2058964"/>
+              <a:ext cx="6919174" cy="0"/>
             </a:xfrm>
             <a:custGeom>
               <a:avLst/>
               <a:pathLst>
-                <a:path w="6917431" h="0">
+                <a:path w="6919174" h="0">
                   <a:moveTo>
                     <a:pt x="0" y="0"/>
                   </a:moveTo>
                   <a:lnTo>
-                    <a:pt x="6917431" y="0"/>
-                  </a:lnTo>
-                  <a:lnTo>
-                    <a:pt x="6917431" y="0"/>
+                    <a:pt x="6919174" y="0"/>
+                  </a:lnTo>
+                  <a:lnTo>
+                    <a:pt x="6919174" y="0"/>
                   </a:lnTo>
                 </a:path>
               </a:pathLst>
@@ -3605,15 +3605,15 @@
           </p:nvSpPr>
           <p:spPr>
             <a:xfrm>
-              <a:off x="2019661" y="1590617"/>
-              <a:ext cx="0" cy="4055309"/>
+              <a:off x="2017917" y="1590617"/>
+              <a:ext cx="0" cy="4059006"/>
             </a:xfrm>
             <a:custGeom>
               <a:avLst/>
               <a:pathLst>
-                <a:path w="0" h="4055309">
+                <a:path w="0" h="4059006">
                   <a:moveTo>
-                    <a:pt x="0" y="4055309"/>
+                    <a:pt x="0" y="4059006"/>
                   </a:moveTo>
                   <a:lnTo>
                     <a:pt x="0" y="0"/>
@@ -3648,15 +3648,15 @@
           </p:nvSpPr>
           <p:spPr>
             <a:xfrm>
-              <a:off x="3639001" y="1590617"/>
-              <a:ext cx="0" cy="4055309"/>
+              <a:off x="3637665" y="1590617"/>
+              <a:ext cx="0" cy="4059006"/>
             </a:xfrm>
             <a:custGeom>
               <a:avLst/>
               <a:pathLst>
-                <a:path w="0" h="4055309">
+                <a:path w="0" h="4059006">
                   <a:moveTo>
-                    <a:pt x="0" y="4055309"/>
+                    <a:pt x="0" y="4059006"/>
                   </a:moveTo>
                   <a:lnTo>
                     <a:pt x="0" y="0"/>
@@ -3691,15 +3691,15 @@
           </p:nvSpPr>
           <p:spPr>
             <a:xfrm>
-              <a:off x="5258340" y="1590617"/>
-              <a:ext cx="0" cy="4055309"/>
+              <a:off x="5257413" y="1590617"/>
+              <a:ext cx="0" cy="4059006"/>
             </a:xfrm>
             <a:custGeom>
               <a:avLst/>
               <a:pathLst>
-                <a:path w="0" h="4055309">
+                <a:path w="0" h="4059006">
                   <a:moveTo>
-                    <a:pt x="0" y="4055309"/>
+                    <a:pt x="0" y="4059006"/>
                   </a:moveTo>
                   <a:lnTo>
                     <a:pt x="0" y="0"/>
@@ -3734,15 +3734,15 @@
           </p:nvSpPr>
           <p:spPr>
             <a:xfrm>
-              <a:off x="6877680" y="1590617"/>
-              <a:ext cx="0" cy="4055309"/>
+              <a:off x="6877161" y="1590617"/>
+              <a:ext cx="0" cy="4059006"/>
             </a:xfrm>
             <a:custGeom>
               <a:avLst/>
               <a:pathLst>
-                <a:path w="0" h="4055309">
+                <a:path w="0" h="4059006">
                   <a:moveTo>
-                    <a:pt x="0" y="4055309"/>
+                    <a:pt x="0" y="4059006"/>
                   </a:moveTo>
                   <a:lnTo>
                     <a:pt x="0" y="0"/>
@@ -3777,15 +3777,15 @@
           </p:nvSpPr>
           <p:spPr>
             <a:xfrm>
-              <a:off x="8497020" y="1590617"/>
-              <a:ext cx="0" cy="4055309"/>
+              <a:off x="8496909" y="1590617"/>
+              <a:ext cx="0" cy="4059006"/>
             </a:xfrm>
             <a:custGeom>
               <a:avLst/>
               <a:pathLst>
-                <a:path w="0" h="4055309">
+                <a:path w="0" h="4059006">
                   <a:moveTo>
-                    <a:pt x="0" y="4055309"/>
+                    <a:pt x="0" y="4059006"/>
                   </a:moveTo>
                   <a:lnTo>
                     <a:pt x="0" y="0"/>
@@ -3820,8 +3820,8 @@
           </p:nvSpPr>
           <p:spPr>
             <a:xfrm>
-              <a:off x="2019661" y="1707597"/>
-              <a:ext cx="6781795" cy="701880"/>
+              <a:off x="2017917" y="1707703"/>
+              <a:ext cx="6783504" cy="702520"/>
             </a:xfrm>
             <a:prstGeom prst="rect">
               <a:avLst/>
@@ -3846,8 +3846,8 @@
           </p:nvSpPr>
           <p:spPr>
             <a:xfrm>
-              <a:off x="2019661" y="2487464"/>
-              <a:ext cx="6172923" cy="701880"/>
+              <a:off x="2017917" y="2488282"/>
+              <a:ext cx="6174479" cy="702520"/>
             </a:xfrm>
             <a:prstGeom prst="rect">
               <a:avLst/>
@@ -3872,8 +3872,8 @@
           </p:nvSpPr>
           <p:spPr>
             <a:xfrm>
-              <a:off x="2019661" y="3267331"/>
-              <a:ext cx="4067781" cy="701880"/>
+              <a:off x="2017917" y="3268860"/>
+              <a:ext cx="4068807" cy="702520"/>
             </a:xfrm>
             <a:prstGeom prst="rect">
               <a:avLst/>
@@ -3898,8 +3898,8 @@
           </p:nvSpPr>
           <p:spPr>
             <a:xfrm>
-              <a:off x="2019661" y="4047198"/>
-              <a:ext cx="2318894" cy="701880"/>
+              <a:off x="2017917" y="4049438"/>
+              <a:ext cx="2319479" cy="702520"/>
             </a:xfrm>
             <a:prstGeom prst="rect">
               <a:avLst/>
@@ -3924,8 +3924,8 @@
           </p:nvSpPr>
           <p:spPr>
             <a:xfrm>
-              <a:off x="2019661" y="4827066"/>
-              <a:ext cx="1483315" cy="701880"/>
+              <a:off x="2017917" y="4830016"/>
+              <a:ext cx="1483689" cy="702520"/>
             </a:xfrm>
             <a:prstGeom prst="rect">
               <a:avLst/>
@@ -3950,7 +3950,7 @@
           </p:nvSpPr>
           <p:spPr>
             <a:xfrm>
-              <a:off x="8411373" y="2002413"/>
+              <a:off x="8411306" y="2002840"/>
               <a:ext cx="48274" cy="78498"/>
             </a:xfrm>
             <a:custGeom>
@@ -4665,7 +4665,7 @@
           </p:nvSpPr>
           <p:spPr>
             <a:xfrm>
-              <a:off x="8470340" y="2047405"/>
+              <a:off x="8470272" y="2047832"/>
               <a:ext cx="26254" cy="8892"/>
             </a:xfrm>
             <a:custGeom>
@@ -4708,7 +4708,7 @@
           </p:nvSpPr>
           <p:spPr>
             <a:xfrm>
-              <a:off x="8507816" y="2003525"/>
+              <a:off x="8507748" y="2003951"/>
               <a:ext cx="46739" cy="78445"/>
             </a:xfrm>
             <a:custGeom>
@@ -5600,7 +5600,7 @@
           </p:nvSpPr>
           <p:spPr>
             <a:xfrm>
-              <a:off x="8565671" y="1993256"/>
+              <a:off x="8565603" y="1993682"/>
               <a:ext cx="99088" cy="53355"/>
             </a:xfrm>
             <a:custGeom>
@@ -5793,7 +5793,7 @@
           </p:nvSpPr>
           <p:spPr>
             <a:xfrm>
-              <a:off x="8610557" y="2029250"/>
+              <a:off x="8610489" y="2029676"/>
               <a:ext cx="8469" cy="61401"/>
             </a:xfrm>
             <a:custGeom>
@@ -5836,7 +5836,7 @@
           </p:nvSpPr>
           <p:spPr>
             <a:xfrm>
-              <a:off x="7743694" y="2782280"/>
+              <a:off x="7743473" y="2783418"/>
               <a:ext cx="48750" cy="79556"/>
             </a:xfrm>
             <a:custGeom>
@@ -6893,7 +6893,7 @@
           </p:nvSpPr>
           <p:spPr>
             <a:xfrm>
-              <a:off x="7753328" y="2819915"/>
+              <a:off x="7753107" y="2821053"/>
               <a:ext cx="29800" cy="33823"/>
             </a:xfrm>
             <a:custGeom>
@@ -7404,7 +7404,7 @@
           </p:nvSpPr>
           <p:spPr>
             <a:xfrm>
-              <a:off x="7801761" y="2827273"/>
+              <a:off x="7801539" y="2828410"/>
               <a:ext cx="26254" cy="8892"/>
             </a:xfrm>
             <a:custGeom>
@@ -7447,7 +7447,7 @@
           </p:nvSpPr>
           <p:spPr>
             <a:xfrm>
-              <a:off x="7841724" y="2783392"/>
+              <a:off x="7841503" y="2784529"/>
               <a:ext cx="28212" cy="77386"/>
             </a:xfrm>
             <a:custGeom>
@@ -7739,7 +7739,7 @@
           </p:nvSpPr>
           <p:spPr>
             <a:xfrm>
-              <a:off x="7897197" y="2782174"/>
+              <a:off x="7896976" y="2783312"/>
               <a:ext cx="49438" cy="79662"/>
             </a:xfrm>
             <a:custGeom>
@@ -8250,7 +8250,7 @@
           </p:nvSpPr>
           <p:spPr>
             <a:xfrm>
-              <a:off x="7906990" y="2790432"/>
+              <a:off x="7906769" y="2791569"/>
               <a:ext cx="29906" cy="63200"/>
             </a:xfrm>
             <a:custGeom>
@@ -8761,7 +8761,7 @@
           </p:nvSpPr>
           <p:spPr>
             <a:xfrm>
-              <a:off x="7956799" y="2773123"/>
+              <a:off x="7956578" y="2774261"/>
               <a:ext cx="99088" cy="53355"/>
             </a:xfrm>
             <a:custGeom>
@@ -8954,7 +8954,7 @@
           </p:nvSpPr>
           <p:spPr>
             <a:xfrm>
-              <a:off x="8001685" y="2809117"/>
+              <a:off x="8001464" y="2810254"/>
               <a:ext cx="8469" cy="61401"/>
             </a:xfrm>
             <a:custGeom>
@@ -8997,7 +8997,7 @@
           </p:nvSpPr>
           <p:spPr>
             <a:xfrm>
-              <a:off x="4769301" y="3555531"/>
+              <a:off x="4768549" y="3557380"/>
               <a:ext cx="21172" cy="20325"/>
             </a:xfrm>
             <a:custGeom>
@@ -9094,7 +9094,7 @@
           </p:nvSpPr>
           <p:spPr>
             <a:xfrm>
-              <a:off x="4767607" y="3590678"/>
+              <a:off x="4766855" y="3592526"/>
               <a:ext cx="98242" cy="58860"/>
             </a:xfrm>
             <a:custGeom>
@@ -9305,7 +9305,7 @@
           </p:nvSpPr>
           <p:spPr>
             <a:xfrm>
-              <a:off x="4794285" y="3557648"/>
+              <a:off x="4793533" y="3559497"/>
               <a:ext cx="67753" cy="74528"/>
             </a:xfrm>
             <a:custGeom>
@@ -9456,7 +9456,7 @@
           </p:nvSpPr>
           <p:spPr>
             <a:xfrm>
-              <a:off x="4837477" y="3584326"/>
+              <a:off x="4836726" y="3586175"/>
               <a:ext cx="26677" cy="28371"/>
             </a:xfrm>
             <a:custGeom>
@@ -9553,7 +9553,7 @@
           </p:nvSpPr>
           <p:spPr>
             <a:xfrm>
-              <a:off x="4877282" y="3552990"/>
+              <a:off x="4876531" y="3554839"/>
               <a:ext cx="95701" cy="80033"/>
             </a:xfrm>
             <a:custGeom>
@@ -9644,7 +9644,7 @@
           </p:nvSpPr>
           <p:spPr>
             <a:xfrm>
-              <a:off x="4901419" y="3582209"/>
+              <a:off x="4900668" y="3584057"/>
               <a:ext cx="48697" cy="5928"/>
             </a:xfrm>
             <a:custGeom>
@@ -9687,7 +9687,7 @@
           </p:nvSpPr>
           <p:spPr>
             <a:xfrm>
-              <a:off x="4901419" y="3594489"/>
+              <a:off x="4900668" y="3596338"/>
               <a:ext cx="48697" cy="6351"/>
             </a:xfrm>
             <a:custGeom>
@@ -9730,7 +9730,7 @@
           </p:nvSpPr>
           <p:spPr>
             <a:xfrm>
-              <a:off x="4901419" y="3607193"/>
+              <a:off x="4900668" y="3609041"/>
               <a:ext cx="48697" cy="5928"/>
             </a:xfrm>
             <a:custGeom>
@@ -9773,7 +9773,7 @@
           </p:nvSpPr>
           <p:spPr>
             <a:xfrm>
-              <a:off x="4901419" y="3619473"/>
+              <a:off x="4900668" y="3621322"/>
               <a:ext cx="48697" cy="5928"/>
             </a:xfrm>
             <a:custGeom>
@@ -9816,7 +9816,7 @@
           </p:nvSpPr>
           <p:spPr>
             <a:xfrm>
-              <a:off x="4880670" y="3634294"/>
+              <a:off x="4879918" y="3636143"/>
               <a:ext cx="35570" cy="16938"/>
             </a:xfrm>
             <a:custGeom>
@@ -9913,7 +9913,7 @@
           </p:nvSpPr>
           <p:spPr>
             <a:xfrm>
-              <a:off x="4932332" y="3634717"/>
+              <a:off x="4931580" y="3636566"/>
               <a:ext cx="36417" cy="16514"/>
             </a:xfrm>
             <a:custGeom>
@@ -10010,7 +10010,7 @@
           </p:nvSpPr>
           <p:spPr>
             <a:xfrm>
-              <a:off x="4991192" y="3553414"/>
+              <a:off x="4990441" y="3555262"/>
               <a:ext cx="26254" cy="19902"/>
             </a:xfrm>
             <a:custGeom>
@@ -10107,7 +10107,7 @@
           </p:nvSpPr>
           <p:spPr>
             <a:xfrm>
-              <a:off x="4986111" y="3578821"/>
+              <a:off x="4985359" y="3580670"/>
               <a:ext cx="24983" cy="19055"/>
             </a:xfrm>
             <a:custGeom>
@@ -10204,7 +10204,7 @@
           </p:nvSpPr>
           <p:spPr>
             <a:xfrm>
-              <a:off x="4984840" y="3606346"/>
+              <a:off x="4984089" y="3608194"/>
               <a:ext cx="27524" cy="44039"/>
             </a:xfrm>
             <a:custGeom>
@@ -10301,7 +10301,7 @@
           </p:nvSpPr>
           <p:spPr>
             <a:xfrm>
-              <a:off x="5015329" y="3556378"/>
+              <a:off x="5014578" y="3558226"/>
               <a:ext cx="66059" cy="40228"/>
             </a:xfrm>
             <a:custGeom>
@@ -10566,7 +10566,7 @@
           </p:nvSpPr>
           <p:spPr>
             <a:xfrm>
-              <a:off x="5010671" y="3598724"/>
+              <a:off x="5009920" y="3600572"/>
               <a:ext cx="71987" cy="52085"/>
             </a:xfrm>
             <a:custGeom>
@@ -10792,7 +10792,7 @@
           </p:nvSpPr>
           <p:spPr>
             <a:xfrm>
-              <a:off x="5030997" y="3606346"/>
+              <a:off x="5030246" y="3608194"/>
               <a:ext cx="32182" cy="22019"/>
             </a:xfrm>
             <a:custGeom>
@@ -10886,7 +10886,7 @@
           </p:nvSpPr>
           <p:spPr>
             <a:xfrm>
-              <a:off x="5094092" y="3552567"/>
+              <a:off x="5093341" y="3554415"/>
               <a:ext cx="94430" cy="98242"/>
             </a:xfrm>
             <a:custGeom>
@@ -11265,7 +11265,7 @@
           </p:nvSpPr>
           <p:spPr>
             <a:xfrm>
-              <a:off x="5124158" y="3593219"/>
+              <a:off x="5123406" y="3595067"/>
               <a:ext cx="47427" cy="10162"/>
             </a:xfrm>
             <a:custGeom>
@@ -11308,7 +11308,7 @@
           </p:nvSpPr>
           <p:spPr>
             <a:xfrm>
-              <a:off x="5124158" y="3611004"/>
+              <a:off x="5123406" y="3612852"/>
               <a:ext cx="47427" cy="9739"/>
             </a:xfrm>
             <a:custGeom>
@@ -11351,7 +11351,7 @@
           </p:nvSpPr>
           <p:spPr>
             <a:xfrm>
-              <a:off x="5205461" y="3553837"/>
+              <a:off x="5204710" y="3555686"/>
               <a:ext cx="22866" cy="19479"/>
             </a:xfrm>
             <a:custGeom>
@@ -11448,7 +11448,7 @@
           </p:nvSpPr>
           <p:spPr>
             <a:xfrm>
-              <a:off x="5201227" y="3580091"/>
+              <a:off x="5200475" y="3581940"/>
               <a:ext cx="21596" cy="17785"/>
             </a:xfrm>
             <a:custGeom>
@@ -11545,7 +11545,7 @@
           </p:nvSpPr>
           <p:spPr>
             <a:xfrm>
-              <a:off x="5200803" y="3606769"/>
+              <a:off x="5200052" y="3608618"/>
               <a:ext cx="23290" cy="43616"/>
             </a:xfrm>
             <a:custGeom>
@@ -11642,7 +11642,7 @@
           </p:nvSpPr>
           <p:spPr>
             <a:xfrm>
-              <a:off x="5252889" y="3552990"/>
+              <a:off x="5252137" y="3554839"/>
               <a:ext cx="17361" cy="17361"/>
             </a:xfrm>
             <a:custGeom>
@@ -11739,7 +11739,7 @@
           </p:nvSpPr>
           <p:spPr>
             <a:xfrm>
-              <a:off x="5227905" y="3573316"/>
+              <a:off x="5227153" y="3575165"/>
               <a:ext cx="71140" cy="72834"/>
             </a:xfrm>
             <a:custGeom>
@@ -11830,7 +11830,7 @@
           </p:nvSpPr>
           <p:spPr>
             <a:xfrm>
-              <a:off x="5311326" y="3551720"/>
+              <a:off x="5310574" y="3553568"/>
               <a:ext cx="95277" cy="32606"/>
             </a:xfrm>
             <a:custGeom>
@@ -12017,7 +12017,7 @@
           </p:nvSpPr>
           <p:spPr>
             <a:xfrm>
-              <a:off x="5340968" y="3566964"/>
+              <a:off x="5340216" y="3568813"/>
               <a:ext cx="34723" cy="10162"/>
             </a:xfrm>
             <a:custGeom>
@@ -12114,7 +12114,7 @@
           </p:nvSpPr>
           <p:spPr>
             <a:xfrm>
-              <a:off x="5322336" y="3589831"/>
+              <a:off x="5321584" y="3591680"/>
               <a:ext cx="71564" cy="31759"/>
             </a:xfrm>
             <a:custGeom>
@@ -12157,7 +12157,7 @@
           </p:nvSpPr>
           <p:spPr>
             <a:xfrm>
-              <a:off x="5330805" y="3597030"/>
+              <a:off x="5330053" y="3598878"/>
               <a:ext cx="54625" cy="5928"/>
             </a:xfrm>
             <a:custGeom>
@@ -12200,7 +12200,7 @@
           </p:nvSpPr>
           <p:spPr>
             <a:xfrm>
-              <a:off x="5330805" y="3608463"/>
+              <a:off x="5330053" y="3610312"/>
               <a:ext cx="54625" cy="6351"/>
             </a:xfrm>
             <a:custGeom>
@@ -12243,7 +12243,7 @@
           </p:nvSpPr>
           <p:spPr>
             <a:xfrm>
-              <a:off x="5388818" y="3624131"/>
+              <a:off x="5388067" y="3625980"/>
               <a:ext cx="19055" cy="23713"/>
             </a:xfrm>
             <a:custGeom>
@@ -12340,7 +12340,7 @@
           </p:nvSpPr>
           <p:spPr>
             <a:xfrm>
-              <a:off x="5352401" y="3624131"/>
+              <a:off x="5351649" y="3625980"/>
               <a:ext cx="12703" cy="13127"/>
             </a:xfrm>
             <a:custGeom>
@@ -12437,7 +12437,7 @@
           </p:nvSpPr>
           <p:spPr>
             <a:xfrm>
-              <a:off x="5310055" y="3624978"/>
+              <a:off x="5309304" y="3626826"/>
               <a:ext cx="19479" cy="23290"/>
             </a:xfrm>
             <a:custGeom>
@@ -12534,7 +12534,7 @@
           </p:nvSpPr>
           <p:spPr>
             <a:xfrm>
-              <a:off x="5333769" y="3626248"/>
+              <a:off x="5333017" y="3628097"/>
               <a:ext cx="54625" cy="22866"/>
             </a:xfrm>
             <a:custGeom>
@@ -12847,7 +12847,7 @@
           </p:nvSpPr>
           <p:spPr>
             <a:xfrm>
-              <a:off x="5419731" y="3555531"/>
+              <a:off x="5418979" y="3557380"/>
               <a:ext cx="21172" cy="20325"/>
             </a:xfrm>
             <a:custGeom>
@@ -12944,7 +12944,7 @@
           </p:nvSpPr>
           <p:spPr>
             <a:xfrm>
-              <a:off x="5418037" y="3590678"/>
+              <a:off x="5417285" y="3592526"/>
               <a:ext cx="98242" cy="58860"/>
             </a:xfrm>
             <a:custGeom>
@@ -13155,7 +13155,7 @@
           </p:nvSpPr>
           <p:spPr>
             <a:xfrm>
-              <a:off x="5451490" y="3553414"/>
+              <a:off x="5450738" y="3555262"/>
               <a:ext cx="63095" cy="81727"/>
             </a:xfrm>
             <a:custGeom>
@@ -13402,7 +13402,7 @@
           </p:nvSpPr>
           <p:spPr>
             <a:xfrm>
-              <a:off x="5453607" y="3586443"/>
+              <a:off x="5452856" y="3588292"/>
               <a:ext cx="18632" cy="28371"/>
             </a:xfrm>
             <a:custGeom>
@@ -13499,7 +13499,7 @@
           </p:nvSpPr>
           <p:spPr>
             <a:xfrm>
-              <a:off x="5528136" y="3555531"/>
+              <a:off x="5527384" y="3557380"/>
               <a:ext cx="21172" cy="20325"/>
             </a:xfrm>
             <a:custGeom>
@@ -13596,7 +13596,7 @@
           </p:nvSpPr>
           <p:spPr>
             <a:xfrm>
-              <a:off x="5526442" y="3590678"/>
+              <a:off x="5525690" y="3592526"/>
               <a:ext cx="98242" cy="58860"/>
             </a:xfrm>
             <a:custGeom>
@@ -13807,7 +13807,7 @@
           </p:nvSpPr>
           <p:spPr>
             <a:xfrm>
-              <a:off x="5577680" y="3552567"/>
+              <a:off x="5576929" y="3554415"/>
               <a:ext cx="16514" cy="16514"/>
             </a:xfrm>
             <a:custGeom>
@@ -13904,7 +13904,7 @@
           </p:nvSpPr>
           <p:spPr>
             <a:xfrm>
-              <a:off x="5556507" y="3570352"/>
+              <a:off x="5555756" y="3572201"/>
               <a:ext cx="63942" cy="60977"/>
             </a:xfrm>
             <a:custGeom>
@@ -14199,7 +14199,7 @@
           </p:nvSpPr>
           <p:spPr>
             <a:xfrm>
-              <a:off x="5634847" y="3552990"/>
+              <a:off x="5634095" y="3554839"/>
               <a:ext cx="99088" cy="53355"/>
             </a:xfrm>
             <a:custGeom>
@@ -14392,7 +14392,7 @@
           </p:nvSpPr>
           <p:spPr>
             <a:xfrm>
-              <a:off x="5679733" y="3588984"/>
+              <a:off x="5678982" y="3590833"/>
               <a:ext cx="8469" cy="61401"/>
             </a:xfrm>
             <a:custGeom>
@@ -14435,7 +14435,7 @@
           </p:nvSpPr>
           <p:spPr>
             <a:xfrm>
-              <a:off x="5758073" y="3551720"/>
+              <a:off x="5757321" y="3553568"/>
               <a:ext cx="16938" cy="19479"/>
             </a:xfrm>
             <a:custGeom>
@@ -14532,7 +14532,7 @@
           </p:nvSpPr>
           <p:spPr>
             <a:xfrm>
-              <a:off x="5783480" y="3556801"/>
+              <a:off x="5782729" y="3558650"/>
               <a:ext cx="52085" cy="94007"/>
             </a:xfrm>
             <a:custGeom>
@@ -14731,7 +14731,7 @@
           </p:nvSpPr>
           <p:spPr>
             <a:xfrm>
-              <a:off x="5749180" y="3572046"/>
+              <a:off x="5748429" y="3573894"/>
               <a:ext cx="8469" cy="78339"/>
             </a:xfrm>
             <a:custGeom>
@@ -14774,7 +14774,7 @@
           </p:nvSpPr>
           <p:spPr>
             <a:xfrm>
-              <a:off x="5771624" y="3586020"/>
+              <a:off x="5770872" y="3587868"/>
               <a:ext cx="39804" cy="40228"/>
             </a:xfrm>
             <a:custGeom>
@@ -14817,7 +14817,7 @@
           </p:nvSpPr>
           <p:spPr>
             <a:xfrm>
-              <a:off x="5780093" y="3594066"/>
+              <a:off x="5779341" y="3595914"/>
               <a:ext cx="22866" cy="24137"/>
             </a:xfrm>
             <a:custGeom>
@@ -14860,7 +14860,7 @@
           </p:nvSpPr>
           <p:spPr>
             <a:xfrm>
-              <a:off x="5858432" y="3555107"/>
+              <a:off x="5857681" y="3556956"/>
               <a:ext cx="35570" cy="38958"/>
             </a:xfrm>
             <a:custGeom>
@@ -14903,7 +14903,7 @@
           </p:nvSpPr>
           <p:spPr>
             <a:xfrm>
-              <a:off x="5866478" y="3562306"/>
+              <a:off x="5865726" y="3564155"/>
               <a:ext cx="19479" cy="8892"/>
             </a:xfrm>
             <a:custGeom>
@@ -14946,7 +14946,7 @@
           </p:nvSpPr>
           <p:spPr>
             <a:xfrm>
-              <a:off x="5866478" y="3577974"/>
+              <a:off x="5865726" y="3579823"/>
               <a:ext cx="19479" cy="8892"/>
             </a:xfrm>
             <a:custGeom>
@@ -14989,7 +14989,7 @@
           </p:nvSpPr>
           <p:spPr>
             <a:xfrm>
-              <a:off x="5850810" y="3601264"/>
+              <a:off x="5850058" y="3603113"/>
               <a:ext cx="99935" cy="49967"/>
             </a:xfrm>
             <a:custGeom>
@@ -15278,7 +15278,7 @@
           </p:nvSpPr>
           <p:spPr>
             <a:xfrm>
-              <a:off x="5901201" y="3555107"/>
+              <a:off x="5900450" y="3556956"/>
               <a:ext cx="46156" cy="64788"/>
             </a:xfrm>
             <a:custGeom>
@@ -15357,7 +15357,7 @@
           </p:nvSpPr>
           <p:spPr>
             <a:xfrm>
-              <a:off x="5896543" y="3584326"/>
+              <a:off x="5895792" y="3586175"/>
               <a:ext cx="32182" cy="54202"/>
             </a:xfrm>
             <a:custGeom>
@@ -15517,7 +15517,7 @@
           </p:nvSpPr>
           <p:spPr>
             <a:xfrm>
-              <a:off x="5925338" y="3618626"/>
+              <a:off x="5924587" y="3620475"/>
               <a:ext cx="23713" cy="21172"/>
             </a:xfrm>
             <a:custGeom>
@@ -15614,7 +15614,7 @@
           </p:nvSpPr>
           <p:spPr>
             <a:xfrm>
-              <a:off x="4499812" y="4346927"/>
+              <a:off x="4498687" y="4349486"/>
               <a:ext cx="15244" cy="13974"/>
             </a:xfrm>
             <a:custGeom>
@@ -15711,7 +15711,7 @@
           </p:nvSpPr>
           <p:spPr>
             <a:xfrm>
-              <a:off x="4478216" y="4346927"/>
+              <a:off x="4477090" y="4349486"/>
               <a:ext cx="93584" cy="99088"/>
             </a:xfrm>
             <a:custGeom>
@@ -15856,7 +15856,7 @@
           </p:nvSpPr>
           <p:spPr>
             <a:xfrm>
-              <a:off x="4496848" y="4371064"/>
+              <a:off x="4495723" y="4373623"/>
               <a:ext cx="23713" cy="11009"/>
             </a:xfrm>
             <a:custGeom>
@@ -15899,7 +15899,7 @@
           </p:nvSpPr>
           <p:spPr>
             <a:xfrm>
-              <a:off x="4529454" y="4371064"/>
+              <a:off x="4528329" y="4373623"/>
               <a:ext cx="23713" cy="11009"/>
             </a:xfrm>
             <a:custGeom>
@@ -15942,7 +15942,7 @@
           </p:nvSpPr>
           <p:spPr>
             <a:xfrm>
-              <a:off x="4496848" y="4390119"/>
+              <a:off x="4495723" y="4392679"/>
               <a:ext cx="23713" cy="11009"/>
             </a:xfrm>
             <a:custGeom>
@@ -15985,7 +15985,7 @@
           </p:nvSpPr>
           <p:spPr>
             <a:xfrm>
-              <a:off x="4529454" y="4390119"/>
+              <a:off x="4528329" y="4392679"/>
               <a:ext cx="23713" cy="11009"/>
             </a:xfrm>
             <a:custGeom>
@@ -16028,7 +16028,7 @@
           </p:nvSpPr>
           <p:spPr>
             <a:xfrm>
-              <a:off x="4588315" y="4388002"/>
+              <a:off x="4587189" y="4390562"/>
               <a:ext cx="90196" cy="8045"/>
             </a:xfrm>
             <a:custGeom>
@@ -16071,7 +16071,7 @@
           </p:nvSpPr>
           <p:spPr>
             <a:xfrm>
-              <a:off x="4694179" y="4347774"/>
+              <a:off x="4693054" y="4350333"/>
               <a:ext cx="95701" cy="22019"/>
             </a:xfrm>
             <a:custGeom>
@@ -16162,7 +16162,7 @@
           </p:nvSpPr>
           <p:spPr>
             <a:xfrm>
-              <a:off x="4700531" y="4372758"/>
+              <a:off x="4699405" y="4375317"/>
               <a:ext cx="82997" cy="72411"/>
             </a:xfrm>
             <a:custGeom>
@@ -16217,7 +16217,7 @@
           </p:nvSpPr>
           <p:spPr>
             <a:xfrm>
-              <a:off x="4709000" y="4380380"/>
+              <a:off x="4707875" y="4382939"/>
               <a:ext cx="66059" cy="52932"/>
             </a:xfrm>
             <a:custGeom>
@@ -16260,7 +16260,7 @@
           </p:nvSpPr>
           <p:spPr>
             <a:xfrm>
-              <a:off x="4713235" y="4383768"/>
+              <a:off x="4712109" y="4386327"/>
               <a:ext cx="57166" cy="47003"/>
             </a:xfrm>
             <a:custGeom>
@@ -16429,7 +16429,7 @@
           </p:nvSpPr>
           <p:spPr>
             <a:xfrm>
-              <a:off x="4750499" y="4410869"/>
+              <a:off x="4749373" y="4413428"/>
               <a:ext cx="17785" cy="17361"/>
             </a:xfrm>
             <a:custGeom>
@@ -16526,7 +16526,7 @@
           </p:nvSpPr>
           <p:spPr>
             <a:xfrm>
-              <a:off x="4800467" y="4347774"/>
+              <a:off x="4799341" y="4350333"/>
               <a:ext cx="34723" cy="97395"/>
             </a:xfrm>
             <a:custGeom>
@@ -16722,7 +16722,7 @@
           </p:nvSpPr>
           <p:spPr>
             <a:xfrm>
-              <a:off x="4829685" y="4347774"/>
+              <a:off x="4828560" y="4350333"/>
               <a:ext cx="70717" cy="97395"/>
             </a:xfrm>
             <a:custGeom>
@@ -17032,7 +17032,7 @@
           </p:nvSpPr>
           <p:spPr>
             <a:xfrm>
-              <a:off x="3640837" y="5149396"/>
+              <a:off x="3639501" y="5152666"/>
               <a:ext cx="48909" cy="53302"/>
             </a:xfrm>
             <a:custGeom>
@@ -17084,7 +17084,7 @@
           </p:nvSpPr>
           <p:spPr>
             <a:xfrm>
-              <a:off x="3640837" y="5207357"/>
+              <a:off x="3639501" y="5210627"/>
               <a:ext cx="48909" cy="7939"/>
             </a:xfrm>
             <a:custGeom>
@@ -17127,7 +17127,7 @@
           </p:nvSpPr>
           <p:spPr>
             <a:xfrm>
-              <a:off x="3704567" y="5137910"/>
+              <a:off x="3703231" y="5141180"/>
               <a:ext cx="28212" cy="77386"/>
             </a:xfrm>
             <a:custGeom>
@@ -17419,7 +17419,7 @@
           </p:nvSpPr>
           <p:spPr>
             <a:xfrm>
-              <a:off x="3760040" y="5136692"/>
+              <a:off x="3758704" y="5139963"/>
               <a:ext cx="49438" cy="79662"/>
             </a:xfrm>
             <a:custGeom>
@@ -17930,7 +17930,7 @@
           </p:nvSpPr>
           <p:spPr>
             <a:xfrm>
-              <a:off x="3769833" y="5144950"/>
+              <a:off x="3768496" y="5148220"/>
               <a:ext cx="29906" cy="63200"/>
             </a:xfrm>
             <a:custGeom>
@@ -18441,7 +18441,7 @@
           </p:nvSpPr>
           <p:spPr>
             <a:xfrm>
-              <a:off x="3819642" y="5127641"/>
+              <a:off x="3818306" y="5130911"/>
               <a:ext cx="99088" cy="53355"/>
             </a:xfrm>
             <a:custGeom>
@@ -18634,7 +18634,7 @@
           </p:nvSpPr>
           <p:spPr>
             <a:xfrm>
-              <a:off x="3864528" y="5163635"/>
+              <a:off x="3863192" y="5166905"/>
               <a:ext cx="8469" cy="61401"/>
             </a:xfrm>
             <a:custGeom>
@@ -18677,8 +18677,8 @@
           </p:nvSpPr>
           <p:spPr>
             <a:xfrm>
-              <a:off x="2019661" y="1590617"/>
-              <a:ext cx="6917431" cy="4055309"/>
+              <a:off x="2017917" y="1590617"/>
+              <a:ext cx="6919174" cy="4059006"/>
             </a:xfrm>
             <a:prstGeom prst="rect">
               <a:avLst/>
@@ -18707,7 +18707,7 @@
           </p:nvSpPr>
           <p:spPr>
             <a:xfrm>
-              <a:off x="1926148" y="5139561"/>
+              <a:off x="1924405" y="5142832"/>
               <a:ext cx="55607" cy="77980"/>
             </a:xfrm>
             <a:custGeom>
@@ -19539,7 +19539,7 @@
           </p:nvSpPr>
           <p:spPr>
             <a:xfrm>
-              <a:off x="1924402" y="4359694"/>
+              <a:off x="1922659" y="4362253"/>
               <a:ext cx="59863" cy="76889"/>
             </a:xfrm>
             <a:custGeom>
@@ -19603,7 +19603,7 @@
           </p:nvSpPr>
           <p:spPr>
             <a:xfrm>
-              <a:off x="1936899" y="4373680"/>
+              <a:off x="1935155" y="4376240"/>
               <a:ext cx="22952" cy="35836"/>
             </a:xfrm>
             <a:custGeom>
@@ -19880,7 +19880,7 @@
           </p:nvSpPr>
           <p:spPr>
             <a:xfrm>
-              <a:off x="1925275" y="3578681"/>
+              <a:off x="1923532" y="3580529"/>
               <a:ext cx="55552" cy="79290"/>
             </a:xfrm>
             <a:custGeom>
@@ -20749,7 +20749,7 @@
                     <a:pt x="10815" y="4673"/>
                   </a:lnTo>
                   <a:lnTo>
-                    <a:pt x="11555" y="4191"/>
+                    <a:pt x="11555" y="4190"/>
                   </a:lnTo>
                   <a:lnTo>
                     <a:pt x="12317" y="3735"/>
@@ -20803,7 +20803,7 @@
                     <a:pt x="26919" y="13"/>
                   </a:lnTo>
                   <a:lnTo>
-                    <a:pt x="27939" y="0"/>
+                    <a:pt x="27940" y="0"/>
                   </a:lnTo>
                   <a:lnTo>
                     <a:pt x="29274" y="16"/>
@@ -21189,7 +21189,7 @@
           </p:nvSpPr>
           <p:spPr>
             <a:xfrm>
-              <a:off x="1926585" y="2798813"/>
+              <a:off x="1924841" y="2799951"/>
               <a:ext cx="53806" cy="78035"/>
             </a:xfrm>
             <a:custGeom>
@@ -21955,7 +21955,7 @@
           </p:nvSpPr>
           <p:spPr>
             <a:xfrm>
-              <a:off x="1929750" y="2020092"/>
+              <a:off x="1928007" y="2020519"/>
               <a:ext cx="52005" cy="76889"/>
             </a:xfrm>
             <a:custGeom>
@@ -22019,7 +22019,7 @@
           </p:nvSpPr>
           <p:spPr>
             <a:xfrm>
-              <a:off x="1984866" y="5178006"/>
+              <a:off x="1983123" y="5181276"/>
               <a:ext cx="34794" cy="0"/>
             </a:xfrm>
             <a:custGeom>
@@ -22059,7 +22059,7 @@
           </p:nvSpPr>
           <p:spPr>
             <a:xfrm>
-              <a:off x="1984866" y="4398139"/>
+              <a:off x="1983123" y="4400698"/>
               <a:ext cx="34794" cy="0"/>
             </a:xfrm>
             <a:custGeom>
@@ -22099,7 +22099,7 @@
           </p:nvSpPr>
           <p:spPr>
             <a:xfrm>
-              <a:off x="1984866" y="3618271"/>
+              <a:off x="1983123" y="3620120"/>
               <a:ext cx="34794" cy="0"/>
             </a:xfrm>
             <a:custGeom>
@@ -22139,7 +22139,7 @@
           </p:nvSpPr>
           <p:spPr>
             <a:xfrm>
-              <a:off x="1984866" y="2838404"/>
+              <a:off x="1983123" y="2839542"/>
               <a:ext cx="34794" cy="0"/>
             </a:xfrm>
             <a:custGeom>
@@ -22179,7 +22179,7 @@
           </p:nvSpPr>
           <p:spPr>
             <a:xfrm>
-              <a:off x="1984866" y="2058537"/>
+              <a:off x="1983123" y="2058964"/>
               <a:ext cx="34794" cy="0"/>
             </a:xfrm>
             <a:custGeom>
@@ -22219,7 +22219,7 @@
           </p:nvSpPr>
           <p:spPr>
             <a:xfrm>
-              <a:off x="2019661" y="5645926"/>
+              <a:off x="2017917" y="5649623"/>
               <a:ext cx="0" cy="34794"/>
             </a:xfrm>
             <a:custGeom>
@@ -22259,7 +22259,7 @@
           </p:nvSpPr>
           <p:spPr>
             <a:xfrm>
-              <a:off x="3639001" y="5645926"/>
+              <a:off x="3637665" y="5649623"/>
               <a:ext cx="0" cy="34794"/>
             </a:xfrm>
             <a:custGeom>
@@ -22299,7 +22299,7 @@
           </p:nvSpPr>
           <p:spPr>
             <a:xfrm>
-              <a:off x="5258340" y="5645926"/>
+              <a:off x="5257413" y="5649623"/>
               <a:ext cx="0" cy="34794"/>
             </a:xfrm>
             <a:custGeom>
@@ -22339,7 +22339,7 @@
           </p:nvSpPr>
           <p:spPr>
             <a:xfrm>
-              <a:off x="6877680" y="5645926"/>
+              <a:off x="6877161" y="5649623"/>
               <a:ext cx="0" cy="34794"/>
             </a:xfrm>
             <a:custGeom>
@@ -22379,7 +22379,7 @@
           </p:nvSpPr>
           <p:spPr>
             <a:xfrm>
-              <a:off x="8497020" y="5645926"/>
+              <a:off x="8496909" y="5649623"/>
               <a:ext cx="0" cy="34794"/>
             </a:xfrm>
             <a:custGeom>
@@ -22419,7 +22419,7 @@
           </p:nvSpPr>
           <p:spPr>
             <a:xfrm>
-              <a:off x="1992948" y="5707410"/>
+              <a:off x="1991205" y="5711107"/>
               <a:ext cx="53424" cy="79126"/>
             </a:xfrm>
             <a:custGeom>
@@ -22862,7 +22862,7 @@
                     <a:pt x="48312" y="12306"/>
                   </a:lnTo>
                   <a:lnTo>
-                    <a:pt x="48894" y="13492"/>
+                    <a:pt x="48895" y="13492"/>
                   </a:lnTo>
                   <a:lnTo>
                     <a:pt x="49447" y="14740"/>
@@ -22930,7 +22930,7 @@
           </p:nvSpPr>
           <p:spPr>
             <a:xfrm>
-              <a:off x="2002880" y="5715377"/>
+              <a:off x="2001137" y="5719075"/>
               <a:ext cx="33506" cy="63137"/>
             </a:xfrm>
             <a:custGeom>
@@ -23441,7 +23441,7 @@
           </p:nvSpPr>
           <p:spPr>
             <a:xfrm>
-              <a:off x="3550242" y="5708556"/>
+              <a:off x="3548907" y="5712253"/>
               <a:ext cx="52987" cy="77980"/>
             </a:xfrm>
             <a:custGeom>
@@ -24393,7 +24393,7 @@
           </p:nvSpPr>
           <p:spPr>
             <a:xfrm>
-              <a:off x="3612288" y="5707410"/>
+              <a:off x="3610953" y="5711107"/>
               <a:ext cx="53424" cy="79126"/>
             </a:xfrm>
             <a:custGeom>
@@ -24904,7 +24904,7 @@
           </p:nvSpPr>
           <p:spPr>
             <a:xfrm>
-              <a:off x="3622220" y="5715377"/>
+              <a:off x="3620885" y="5719075"/>
               <a:ext cx="33506" cy="63137"/>
             </a:xfrm>
             <a:custGeom>
@@ -25415,7 +25415,7 @@
           </p:nvSpPr>
           <p:spPr>
             <a:xfrm>
-              <a:off x="3674444" y="5707410"/>
+              <a:off x="3673109" y="5711107"/>
               <a:ext cx="53424" cy="79126"/>
             </a:xfrm>
             <a:custGeom>
@@ -25926,7 +25926,7 @@
           </p:nvSpPr>
           <p:spPr>
             <a:xfrm>
-              <a:off x="3684376" y="5715377"/>
+              <a:off x="3683040" y="5719075"/>
               <a:ext cx="33506" cy="63137"/>
             </a:xfrm>
             <a:custGeom>
@@ -26437,7 +26437,7 @@
           </p:nvSpPr>
           <p:spPr>
             <a:xfrm>
-              <a:off x="5142542" y="5708556"/>
+              <a:off x="5141615" y="5712253"/>
               <a:ext cx="48185" cy="76889"/>
             </a:xfrm>
             <a:custGeom>
@@ -26501,7 +26501,7 @@
           </p:nvSpPr>
           <p:spPr>
             <a:xfrm>
-              <a:off x="5200550" y="5707410"/>
+              <a:off x="5199623" y="5711107"/>
               <a:ext cx="53424" cy="79126"/>
             </a:xfrm>
             <a:custGeom>
@@ -27012,7 +27012,7 @@
           </p:nvSpPr>
           <p:spPr>
             <a:xfrm>
-              <a:off x="5210482" y="5715377"/>
+              <a:off x="5209555" y="5719075"/>
               <a:ext cx="33506" cy="63137"/>
             </a:xfrm>
             <a:custGeom>
@@ -27523,7 +27523,7 @@
           </p:nvSpPr>
           <p:spPr>
             <a:xfrm>
-              <a:off x="5262706" y="5707410"/>
+              <a:off x="5261779" y="5711107"/>
               <a:ext cx="53424" cy="79126"/>
             </a:xfrm>
             <a:custGeom>
@@ -28034,7 +28034,7 @@
           </p:nvSpPr>
           <p:spPr>
             <a:xfrm>
-              <a:off x="5272638" y="5715377"/>
+              <a:off x="5271711" y="5719075"/>
               <a:ext cx="33506" cy="63137"/>
             </a:xfrm>
             <a:custGeom>
@@ -28545,7 +28545,7 @@
           </p:nvSpPr>
           <p:spPr>
             <a:xfrm>
-              <a:off x="5324862" y="5707410"/>
+              <a:off x="5323934" y="5711107"/>
               <a:ext cx="53424" cy="79126"/>
             </a:xfrm>
             <a:custGeom>
@@ -29056,7 +29056,7 @@
           </p:nvSpPr>
           <p:spPr>
             <a:xfrm>
-              <a:off x="5334793" y="5715377"/>
+              <a:off x="5333866" y="5719075"/>
               <a:ext cx="33506" cy="63137"/>
             </a:xfrm>
             <a:custGeom>
@@ -29567,7 +29567,7 @@
           </p:nvSpPr>
           <p:spPr>
             <a:xfrm>
-              <a:off x="6761882" y="5708556"/>
+              <a:off x="6761363" y="5712253"/>
               <a:ext cx="48185" cy="76889"/>
             </a:xfrm>
             <a:custGeom>
@@ -29631,7 +29631,7 @@
           </p:nvSpPr>
           <p:spPr>
             <a:xfrm>
-              <a:off x="6819999" y="5708556"/>
+              <a:off x="6819480" y="5712253"/>
               <a:ext cx="52987" cy="77980"/>
             </a:xfrm>
             <a:custGeom>
@@ -30583,7 +30583,7 @@
           </p:nvSpPr>
           <p:spPr>
             <a:xfrm>
-              <a:off x="6882046" y="5707410"/>
+              <a:off x="6881527" y="5711107"/>
               <a:ext cx="53424" cy="79126"/>
             </a:xfrm>
             <a:custGeom>
@@ -31094,7 +31094,7 @@
           </p:nvSpPr>
           <p:spPr>
             <a:xfrm>
-              <a:off x="6891978" y="5715377"/>
+              <a:off x="6891459" y="5719075"/>
               <a:ext cx="33506" cy="63137"/>
             </a:xfrm>
             <a:custGeom>
@@ -31605,7 +31605,7 @@
           </p:nvSpPr>
           <p:spPr>
             <a:xfrm>
-              <a:off x="6944201" y="5707410"/>
+              <a:off x="6943682" y="5711107"/>
               <a:ext cx="53424" cy="79126"/>
             </a:xfrm>
             <a:custGeom>
@@ -32116,7 +32116,7 @@
           </p:nvSpPr>
           <p:spPr>
             <a:xfrm>
-              <a:off x="6954133" y="5715377"/>
+              <a:off x="6953614" y="5719075"/>
               <a:ext cx="33506" cy="63137"/>
             </a:xfrm>
             <a:custGeom>
@@ -32627,7 +32627,7 @@
           </p:nvSpPr>
           <p:spPr>
             <a:xfrm>
-              <a:off x="8378330" y="5707410"/>
+              <a:off x="8378219" y="5711107"/>
               <a:ext cx="50914" cy="78035"/>
             </a:xfrm>
             <a:custGeom>
@@ -33573,7 +33573,7 @@
           </p:nvSpPr>
           <p:spPr>
             <a:xfrm>
-              <a:off x="8439230" y="5707410"/>
+              <a:off x="8439119" y="5711107"/>
               <a:ext cx="53424" cy="79126"/>
             </a:xfrm>
             <a:custGeom>
@@ -34084,7 +34084,7 @@
           </p:nvSpPr>
           <p:spPr>
             <a:xfrm>
-              <a:off x="8449162" y="5715377"/>
+              <a:off x="8449051" y="5719075"/>
               <a:ext cx="33506" cy="63137"/>
             </a:xfrm>
             <a:custGeom>
@@ -34595,7 +34595,7 @@
           </p:nvSpPr>
           <p:spPr>
             <a:xfrm>
-              <a:off x="8501386" y="5707410"/>
+              <a:off x="8501275" y="5711107"/>
               <a:ext cx="53424" cy="79126"/>
             </a:xfrm>
             <a:custGeom>
@@ -35106,7 +35106,7 @@
           </p:nvSpPr>
           <p:spPr>
             <a:xfrm>
-              <a:off x="8511318" y="5715377"/>
+              <a:off x="8511207" y="5719075"/>
               <a:ext cx="33506" cy="63137"/>
             </a:xfrm>
             <a:custGeom>
@@ -35617,7 +35617,7 @@
           </p:nvSpPr>
           <p:spPr>
             <a:xfrm>
-              <a:off x="8563541" y="5707410"/>
+              <a:off x="8563430" y="5711107"/>
               <a:ext cx="53424" cy="79126"/>
             </a:xfrm>
             <a:custGeom>
@@ -36128,7 +36128,7 @@
           </p:nvSpPr>
           <p:spPr>
             <a:xfrm>
-              <a:off x="8573473" y="5715377"/>
+              <a:off x="8573362" y="5719075"/>
               <a:ext cx="33506" cy="63137"/>
             </a:xfrm>
             <a:custGeom>
